--- a/Darie Sebastian - Modelarea matematică a biosistemelor_final.pptx
+++ b/Darie Sebastian - Modelarea matematică a biosistemelor_final.pptx
@@ -9,21 +9,19 @@
     <p:sldId id="257" r:id="rId3"/>
     <p:sldId id="258" r:id="rId4"/>
     <p:sldId id="259" r:id="rId5"/>
-    <p:sldId id="260" r:id="rId6"/>
-    <p:sldId id="261" r:id="rId7"/>
-    <p:sldId id="262" r:id="rId8"/>
-    <p:sldId id="263" r:id="rId9"/>
-    <p:sldId id="264" r:id="rId10"/>
-    <p:sldId id="265" r:id="rId11"/>
-    <p:sldId id="266" r:id="rId12"/>
-    <p:sldId id="267" r:id="rId13"/>
-    <p:sldId id="268" r:id="rId14"/>
-    <p:sldId id="269" r:id="rId15"/>
-    <p:sldId id="270" r:id="rId16"/>
-    <p:sldId id="271" r:id="rId17"/>
-    <p:sldId id="274" r:id="rId18"/>
-    <p:sldId id="272" r:id="rId19"/>
-    <p:sldId id="273" r:id="rId20"/>
+    <p:sldId id="262" r:id="rId6"/>
+    <p:sldId id="263" r:id="rId7"/>
+    <p:sldId id="264" r:id="rId8"/>
+    <p:sldId id="265" r:id="rId9"/>
+    <p:sldId id="266" r:id="rId10"/>
+    <p:sldId id="267" r:id="rId11"/>
+    <p:sldId id="268" r:id="rId12"/>
+    <p:sldId id="269" r:id="rId13"/>
+    <p:sldId id="270" r:id="rId14"/>
+    <p:sldId id="271" r:id="rId15"/>
+    <p:sldId id="274" r:id="rId16"/>
+    <p:sldId id="272" r:id="rId17"/>
+    <p:sldId id="273" r:id="rId18"/>
   </p:sldIdLst>
   <p:sldSz cx="9144000" cy="6858000" type="screen4x3"/>
   <p:notesSz cx="6858000" cy="9144000"/>
@@ -14037,19 +14035,27 @@
             <p:ph type="title"/>
           </p:nvPr>
         </p:nvSpPr>
-        <p:spPr/>
+        <p:spPr>
+          <a:xfrm>
+            <a:off x="1043490" y="1421904"/>
+            <a:ext cx="7024744" cy="1143000"/>
+          </a:xfrm>
+        </p:spPr>
         <p:txBody>
-          <a:bodyPr/>
+          <a:bodyPr>
+            <a:noAutofit/>
+          </a:bodyPr>
           <a:lstStyle/>
           <a:p>
-            <a:endParaRPr lang="ro-RO"/>
+            <a:pPr algn="ctr"/>
+            <a:endParaRPr lang="ro-RO" dirty="0"/>
           </a:p>
         </p:txBody>
       </p:sp>
       <p:sp>
         <p:nvSpPr>
-          <p:cNvPr id="3" name="Content Placeholder 2"/>
-          <p:cNvSpPr>
+          <p:cNvPr id="4" name="Content Placeholder 3"/>
+          <p:cNvSpPr txBox="1">
             <a:spLocks noGrp="1"/>
           </p:cNvSpPr>
           <p:nvPr>
@@ -14058,22 +14064,48 @@
         </p:nvSpPr>
         <p:spPr>
           <a:xfrm>
-            <a:off x="1043492" y="1988840"/>
-            <a:ext cx="6777317" cy="3508977"/>
+            <a:off x="1098941" y="1124744"/>
+            <a:ext cx="6777317" cy="1274195"/>
           </a:xfrm>
+          <a:prstGeom prst="rect">
+            <a:avLst/>
+          </a:prstGeom>
+          <a:noFill/>
         </p:spPr>
         <p:txBody>
-          <a:bodyPr/>
+          <a:bodyPr wrap="square" rtlCol="0">
+            <a:spAutoFit/>
+          </a:bodyPr>
           <a:lstStyle/>
           <a:p>
-            <a:pPr indent="-342900"/>
+            <a:r>
+              <a:rPr lang="ro-RO" dirty="0" smtClean="0">
+                <a:latin typeface="Verdana" pitchFamily="34" charset="0"/>
+                <a:ea typeface="Verdana" pitchFamily="34" charset="0"/>
+                <a:cs typeface="Verdana" pitchFamily="34" charset="0"/>
+              </a:rPr>
+              <a:t>Situaţia I:</a:t>
+            </a:r>
+          </a:p>
+          <a:p>
+            <a:pPr marL="68580" indent="0">
+              <a:buNone/>
+            </a:pPr>
+            <a:r>
+              <a:rPr lang="ro-RO" dirty="0" smtClean="0">
+                <a:latin typeface="Verdana" pitchFamily="34" charset="0"/>
+                <a:ea typeface="Verdana" pitchFamily="34" charset="0"/>
+                <a:cs typeface="Verdana" pitchFamily="34" charset="0"/>
+              </a:rPr>
+              <a:t>Deformarea peretului celular în </a:t>
+            </a:r>
             <a:r>
               <a:rPr lang="ro-RO" dirty="0">
                 <a:latin typeface="Verdana" pitchFamily="34" charset="0"/>
                 <a:ea typeface="Verdana" pitchFamily="34" charset="0"/>
                 <a:cs typeface="Verdana" pitchFamily="34" charset="0"/>
               </a:rPr>
-              <a:t>Teoria </a:t>
+              <a:t>urma acţiunii unei presiuni de </a:t>
             </a:r>
             <a:r>
               <a:rPr lang="ro-RO" dirty="0" smtClean="0">
@@ -14081,7 +14113,7 @@
                 <a:ea typeface="Verdana" pitchFamily="34" charset="0"/>
                 <a:cs typeface="Verdana" pitchFamily="34" charset="0"/>
               </a:rPr>
-              <a:t>tridimensională</a:t>
+              <a:t>turgescenţă</a:t>
             </a:r>
             <a:endParaRPr lang="ro-RO" dirty="0">
               <a:latin typeface="Verdana" pitchFamily="34" charset="0"/>
@@ -14089,67 +14121,72 @@
               <a:cs typeface="Verdana" pitchFamily="34" charset="0"/>
             </a:endParaRPr>
           </a:p>
-          <a:p>
-            <a:pPr marL="68580" lvl="2" indent="0">
-              <a:buNone/>
-            </a:pPr>
-            <a:endParaRPr lang="ro-RO" sz="1800" b="1" dirty="0"/>
-          </a:p>
-          <a:p>
-            <a:pPr marL="68580" indent="0" algn="just">
-              <a:buNone/>
-            </a:pPr>
-            <a:r>
-              <a:rPr lang="ro-RO" dirty="0">
-                <a:latin typeface="Verdana" pitchFamily="34" charset="0"/>
-                <a:ea typeface="Verdana" pitchFamily="34" charset="0"/>
-                <a:cs typeface="Verdana" pitchFamily="34" charset="0"/>
-              </a:rPr>
-              <a:t>În cadrul acestui tip de creştere sunt vizate cu precădere corpurile elastice nelineare</a:t>
-            </a:r>
-            <a:r>
-              <a:rPr lang="ro-RO" dirty="0" smtClean="0">
-                <a:latin typeface="Verdana" pitchFamily="34" charset="0"/>
-                <a:ea typeface="Verdana" pitchFamily="34" charset="0"/>
-                <a:cs typeface="Verdana" pitchFamily="34" charset="0"/>
-              </a:rPr>
-              <a:t>.</a:t>
-            </a:r>
-          </a:p>
-          <a:p>
-            <a:pPr marL="68580" indent="0">
-              <a:buNone/>
-            </a:pPr>
-            <a:endParaRPr lang="ro-RO" dirty="0"/>
-          </a:p>
-          <a:p>
-            <a:r>
-              <a:rPr lang="ro-RO" b="1" dirty="0" smtClean="0">
-                <a:solidFill>
-                  <a:schemeClr val="bg2">
-                    <a:lumMod val="50000"/>
-                  </a:schemeClr>
-                </a:solidFill>
-              </a:rPr>
-              <a:t>Modelul de morfoelasticitate</a:t>
-            </a:r>
-            <a:endParaRPr lang="ro-RO" b="1" dirty="0">
-              <a:solidFill>
-                <a:schemeClr val="bg2">
-                  <a:lumMod val="50000"/>
-                </a:schemeClr>
-              </a:solidFill>
-            </a:endParaRPr>
-          </a:p>
-          <a:p>
-            <a:endParaRPr lang="ro-RO" dirty="0"/>
-          </a:p>
         </p:txBody>
       </p:sp>
+      <p:pic>
+        <p:nvPicPr>
+          <p:cNvPr id="5" name="Content Placeholder 3"/>
+          <p:cNvPicPr>
+            <a:picLocks/>
+          </p:cNvPicPr>
+          <p:nvPr/>
+        </p:nvPicPr>
+        <p:blipFill>
+          <a:blip r:embed="rId2">
+            <a:extLst>
+              <a:ext uri="{28A0092B-C50C-407E-A947-70E740481C1C}">
+                <a14:useLocalDpi xmlns:a14="http://schemas.microsoft.com/office/drawing/2010/main" val="0"/>
+              </a:ext>
+            </a:extLst>
+          </a:blip>
+          <a:stretch>
+            <a:fillRect/>
+          </a:stretch>
+        </p:blipFill>
+        <p:spPr>
+          <a:xfrm>
+            <a:off x="4139952" y="3140968"/>
+            <a:ext cx="4295696" cy="3312368"/>
+          </a:xfrm>
+          <a:prstGeom prst="rect">
+            <a:avLst/>
+          </a:prstGeom>
+        </p:spPr>
+      </p:pic>
+      <p:pic>
+        <p:nvPicPr>
+          <p:cNvPr id="3" name="Picture 2"/>
+          <p:cNvPicPr>
+            <a:picLocks noChangeAspect="1"/>
+          </p:cNvPicPr>
+          <p:nvPr/>
+        </p:nvPicPr>
+        <p:blipFill>
+          <a:blip r:embed="rId3">
+            <a:extLst>
+              <a:ext uri="{28A0092B-C50C-407E-A947-70E740481C1C}">
+                <a14:useLocalDpi xmlns:a14="http://schemas.microsoft.com/office/drawing/2010/main" val="0"/>
+              </a:ext>
+            </a:extLst>
+          </a:blip>
+          <a:stretch>
+            <a:fillRect/>
+          </a:stretch>
+        </p:blipFill>
+        <p:spPr>
+          <a:xfrm>
+            <a:off x="755576" y="3284984"/>
+            <a:ext cx="3140774" cy="2952328"/>
+          </a:xfrm>
+          <a:prstGeom prst="rect">
+            <a:avLst/>
+          </a:prstGeom>
+        </p:spPr>
+      </p:pic>
     </p:spTree>
     <p:extLst>
       <p:ext uri="{BB962C8B-B14F-4D97-AF65-F5344CB8AC3E}">
-        <p14:creationId xmlns:p14="http://schemas.microsoft.com/office/powerpoint/2010/main" val="3947558933"/>
+        <p14:creationId xmlns:p14="http://schemas.microsoft.com/office/powerpoint/2010/main" val="721952221"/>
       </p:ext>
     </p:extLst>
   </p:cSld>
@@ -14193,382 +14230,6 @@
             <p:ph type="title"/>
           </p:nvPr>
         </p:nvSpPr>
-        <p:spPr>
-          <a:xfrm>
-            <a:off x="1043490" y="1637928"/>
-            <a:ext cx="7024744" cy="1143000"/>
-          </a:xfrm>
-        </p:spPr>
-        <p:txBody>
-          <a:bodyPr>
-            <a:noAutofit/>
-          </a:bodyPr>
-          <a:lstStyle/>
-          <a:p>
-            <a:pPr algn="ctr"/>
-            <a:r>
-              <a:rPr lang="ro-RO" dirty="0">
-                <a:solidFill>
-                  <a:schemeClr val="accent1">
-                    <a:lumMod val="75000"/>
-                  </a:schemeClr>
-                </a:solidFill>
-                <a:latin typeface="+mn-lt"/>
-                <a:cs typeface="Times New Roman" panose="02020603050405020304" pitchFamily="18" charset="0"/>
-              </a:rPr>
-              <a:t>Implementarea în Matlab a modelului Lockhart-Ortega-Cosgrove</a:t>
-            </a:r>
-            <a:endParaRPr lang="ro-RO" dirty="0">
-              <a:latin typeface="+mn-lt"/>
-            </a:endParaRPr>
-          </a:p>
-        </p:txBody>
-      </p:sp>
-      <p:graphicFrame>
-        <p:nvGraphicFramePr>
-          <p:cNvPr id="4" name="Content Placeholder 3"/>
-          <p:cNvGraphicFramePr>
-            <a:graphicFrameLocks noGrp="1" noChangeAspect="1"/>
-          </p:cNvGraphicFramePr>
-          <p:nvPr>
-            <p:ph idx="1"/>
-            <p:extLst>
-              <p:ext uri="{D42A27DB-BD31-4B8C-83A1-F6EECF244321}">
-                <p14:modId xmlns:p14="http://schemas.microsoft.com/office/powerpoint/2010/main" val="847339684"/>
-              </p:ext>
-            </p:extLst>
-          </p:nvPr>
-        </p:nvGraphicFramePr>
-        <p:xfrm>
-          <a:off x="900113" y="3789363"/>
-          <a:ext cx="2332037" cy="792162"/>
-        </p:xfrm>
-        <a:graphic>
-          <a:graphicData uri="http://schemas.openxmlformats.org/presentationml/2006/ole">
-            <mc:AlternateContent xmlns:mc="http://schemas.openxmlformats.org/markup-compatibility/2006">
-              <mc:Choice xmlns:v="urn:schemas-microsoft-com:vml" Requires="v">
-                <p:oleObj spid="_x0000_s1210" r:id="rId3" imgW="1346200" imgH="457200" progId="Equation.DSMT4">
-                  <p:embed/>
-                </p:oleObj>
-              </mc:Choice>
-              <mc:Fallback>
-                <p:oleObj r:id="rId3" imgW="1346200" imgH="457200" progId="Equation.DSMT4">
-                  <p:embed/>
-                  <p:pic>
-                    <p:nvPicPr>
-                      <p:cNvPr id="0" name="Object 5"/>
-                      <p:cNvPicPr>
-                        <a:picLocks noChangeAspect="1" noChangeArrowheads="1"/>
-                      </p:cNvPicPr>
-                      <p:nvPr/>
-                    </p:nvPicPr>
-                    <p:blipFill>
-                      <a:blip r:embed="rId4">
-                        <a:extLst>
-                          <a:ext uri="{28A0092B-C50C-407E-A947-70E740481C1C}">
-                            <a14:useLocalDpi xmlns:a14="http://schemas.microsoft.com/office/drawing/2010/main" val="0"/>
-                          </a:ext>
-                        </a:extLst>
-                      </a:blip>
-                      <a:srcRect/>
-                      <a:stretch>
-                        <a:fillRect/>
-                      </a:stretch>
-                    </p:blipFill>
-                    <p:spPr bwMode="auto">
-                      <a:xfrm>
-                        <a:off x="900113" y="3789363"/>
-                        <a:ext cx="2332037" cy="792162"/>
-                      </a:xfrm>
-                      <a:prstGeom prst="rect">
-                        <a:avLst/>
-                      </a:prstGeom>
-                      <a:noFill/>
-                      <a:ln>
-                        <a:noFill/>
-                      </a:ln>
-                    </p:spPr>
-                  </p:pic>
-                </p:oleObj>
-              </mc:Fallback>
-            </mc:AlternateContent>
-          </a:graphicData>
-        </a:graphic>
-      </p:graphicFrame>
-      <p:graphicFrame>
-        <p:nvGraphicFramePr>
-          <p:cNvPr id="5" name="Object 4"/>
-          <p:cNvGraphicFramePr>
-            <a:graphicFrameLocks noChangeAspect="1"/>
-          </p:cNvGraphicFramePr>
-          <p:nvPr>
-            <p:extLst>
-              <p:ext uri="{D42A27DB-BD31-4B8C-83A1-F6EECF244321}">
-                <p14:modId xmlns:p14="http://schemas.microsoft.com/office/powerpoint/2010/main" val="3821939062"/>
-              </p:ext>
-            </p:extLst>
-          </p:nvPr>
-        </p:nvGraphicFramePr>
-        <p:xfrm>
-          <a:off x="4283968" y="3143150"/>
-          <a:ext cx="3732212" cy="2878138"/>
-        </p:xfrm>
-        <a:graphic>
-          <a:graphicData uri="http://schemas.openxmlformats.org/presentationml/2006/ole">
-            <mc:AlternateContent xmlns:mc="http://schemas.openxmlformats.org/markup-compatibility/2006">
-              <mc:Choice xmlns:v="urn:schemas-microsoft-com:vml" Requires="v">
-                <p:oleObj spid="_x0000_s1211" name="Document" r:id="rId5" imgW="6094080" imgH="4692600" progId="Word.OpenDocumentText.12">
-                  <p:embed/>
-                </p:oleObj>
-              </mc:Choice>
-              <mc:Fallback>
-                <p:oleObj name="Document" r:id="rId5" imgW="6094080" imgH="4692600" progId="Word.OpenDocumentText.12">
-                  <p:embed/>
-                  <p:pic>
-                    <p:nvPicPr>
-                      <p:cNvPr id="0" name=""/>
-                      <p:cNvPicPr/>
-                      <p:nvPr/>
-                    </p:nvPicPr>
-                    <p:blipFill>
-                      <a:blip r:embed="rId6"/>
-                      <a:stretch>
-                        <a:fillRect/>
-                      </a:stretch>
-                    </p:blipFill>
-                    <p:spPr>
-                      <a:xfrm>
-                        <a:off x="4283968" y="3143150"/>
-                        <a:ext cx="3732212" cy="2878138"/>
-                      </a:xfrm>
-                      <a:prstGeom prst="rect">
-                        <a:avLst/>
-                      </a:prstGeom>
-                      <a:solidFill>
-                        <a:schemeClr val="bg1">
-                          <a:lumMod val="85000"/>
-                        </a:schemeClr>
-                      </a:solidFill>
-                    </p:spPr>
-                  </p:pic>
-                </p:oleObj>
-              </mc:Fallback>
-            </mc:AlternateContent>
-          </a:graphicData>
-        </a:graphic>
-      </p:graphicFrame>
-    </p:spTree>
-    <p:extLst>
-      <p:ext uri="{BB962C8B-B14F-4D97-AF65-F5344CB8AC3E}">
-        <p14:creationId xmlns:p14="http://schemas.microsoft.com/office/powerpoint/2010/main" val="1062720027"/>
-      </p:ext>
-    </p:extLst>
-  </p:cSld>
-  <p:clrMapOvr>
-    <a:masterClrMapping/>
-  </p:clrMapOvr>
-  <p:timing>
-    <p:tnLst>
-      <p:par>
-        <p:cTn id="1" dur="indefinite" restart="never" nodeType="tmRoot"/>
-      </p:par>
-    </p:tnLst>
-  </p:timing>
-</p:sld>
-</file>
-
-<file path=ppt/slides/slide12.xml><?xml version="1.0" encoding="utf-8"?>
-<p:sld xmlns:a="http://schemas.openxmlformats.org/drawingml/2006/main" xmlns:r="http://schemas.openxmlformats.org/officeDocument/2006/relationships" xmlns:p="http://schemas.openxmlformats.org/presentationml/2006/main">
-  <p:cSld>
-    <p:spTree>
-      <p:nvGrpSpPr>
-        <p:cNvPr id="1" name=""/>
-        <p:cNvGrpSpPr/>
-        <p:nvPr/>
-      </p:nvGrpSpPr>
-      <p:grpSpPr>
-        <a:xfrm>
-          <a:off x="0" y="0"/>
-          <a:ext cx="0" cy="0"/>
-          <a:chOff x="0" y="0"/>
-          <a:chExt cx="0" cy="0"/>
-        </a:xfrm>
-      </p:grpSpPr>
-      <p:sp>
-        <p:nvSpPr>
-          <p:cNvPr id="2" name="Title 1"/>
-          <p:cNvSpPr>
-            <a:spLocks noGrp="1"/>
-          </p:cNvSpPr>
-          <p:nvPr>
-            <p:ph type="title"/>
-          </p:nvPr>
-        </p:nvSpPr>
-        <p:spPr>
-          <a:xfrm>
-            <a:off x="1043490" y="1421904"/>
-            <a:ext cx="7024744" cy="1143000"/>
-          </a:xfrm>
-        </p:spPr>
-        <p:txBody>
-          <a:bodyPr>
-            <a:noAutofit/>
-          </a:bodyPr>
-          <a:lstStyle/>
-          <a:p>
-            <a:pPr algn="ctr"/>
-            <a:endParaRPr lang="ro-RO" dirty="0"/>
-          </a:p>
-        </p:txBody>
-      </p:sp>
-      <p:sp>
-        <p:nvSpPr>
-          <p:cNvPr id="4" name="Content Placeholder 3"/>
-          <p:cNvSpPr txBox="1">
-            <a:spLocks noGrp="1"/>
-          </p:cNvSpPr>
-          <p:nvPr>
-            <p:ph idx="1"/>
-          </p:nvPr>
-        </p:nvSpPr>
-        <p:spPr>
-          <a:xfrm>
-            <a:off x="1043492" y="1556792"/>
-            <a:ext cx="6777317" cy="1274195"/>
-          </a:xfrm>
-          <a:prstGeom prst="rect">
-            <a:avLst/>
-          </a:prstGeom>
-          <a:noFill/>
-        </p:spPr>
-        <p:txBody>
-          <a:bodyPr wrap="square" rtlCol="0">
-            <a:spAutoFit/>
-          </a:bodyPr>
-          <a:lstStyle/>
-          <a:p>
-            <a:r>
-              <a:rPr lang="ro-RO" dirty="0" smtClean="0">
-                <a:latin typeface="Verdana" pitchFamily="34" charset="0"/>
-                <a:ea typeface="Verdana" pitchFamily="34" charset="0"/>
-                <a:cs typeface="Verdana" pitchFamily="34" charset="0"/>
-              </a:rPr>
-              <a:t>Situaţia I:</a:t>
-            </a:r>
-          </a:p>
-          <a:p>
-            <a:pPr marL="68580" indent="0">
-              <a:buNone/>
-            </a:pPr>
-            <a:r>
-              <a:rPr lang="ro-RO" dirty="0" smtClean="0">
-                <a:latin typeface="Verdana" pitchFamily="34" charset="0"/>
-                <a:ea typeface="Verdana" pitchFamily="34" charset="0"/>
-                <a:cs typeface="Verdana" pitchFamily="34" charset="0"/>
-              </a:rPr>
-              <a:t>Deformarea peretului celular în </a:t>
-            </a:r>
-            <a:r>
-              <a:rPr lang="ro-RO" dirty="0">
-                <a:latin typeface="Verdana" pitchFamily="34" charset="0"/>
-                <a:ea typeface="Verdana" pitchFamily="34" charset="0"/>
-                <a:cs typeface="Verdana" pitchFamily="34" charset="0"/>
-              </a:rPr>
-              <a:t>urma acţiunii unei presiuni de </a:t>
-            </a:r>
-            <a:r>
-              <a:rPr lang="ro-RO" dirty="0" smtClean="0">
-                <a:latin typeface="Verdana" pitchFamily="34" charset="0"/>
-                <a:ea typeface="Verdana" pitchFamily="34" charset="0"/>
-                <a:cs typeface="Verdana" pitchFamily="34" charset="0"/>
-              </a:rPr>
-              <a:t>turgescenţă</a:t>
-            </a:r>
-            <a:endParaRPr lang="ro-RO" dirty="0">
-              <a:latin typeface="Verdana" pitchFamily="34" charset="0"/>
-              <a:ea typeface="Verdana" pitchFamily="34" charset="0"/>
-              <a:cs typeface="Verdana" pitchFamily="34" charset="0"/>
-            </a:endParaRPr>
-          </a:p>
-        </p:txBody>
-      </p:sp>
-      <p:pic>
-        <p:nvPicPr>
-          <p:cNvPr id="5" name="Content Placeholder 3"/>
-          <p:cNvPicPr>
-            <a:picLocks/>
-          </p:cNvPicPr>
-          <p:nvPr/>
-        </p:nvPicPr>
-        <p:blipFill>
-          <a:blip r:embed="rId2">
-            <a:extLst>
-              <a:ext uri="{28A0092B-C50C-407E-A947-70E740481C1C}">
-                <a14:useLocalDpi xmlns:a14="http://schemas.microsoft.com/office/drawing/2010/main" val="0"/>
-              </a:ext>
-            </a:extLst>
-          </a:blip>
-          <a:stretch>
-            <a:fillRect/>
-          </a:stretch>
-        </p:blipFill>
-        <p:spPr>
-          <a:xfrm>
-            <a:off x="3995936" y="2852936"/>
-            <a:ext cx="4295696" cy="3312368"/>
-          </a:xfrm>
-          <a:prstGeom prst="rect">
-            <a:avLst/>
-          </a:prstGeom>
-        </p:spPr>
-      </p:pic>
-    </p:spTree>
-    <p:extLst>
-      <p:ext uri="{BB962C8B-B14F-4D97-AF65-F5344CB8AC3E}">
-        <p14:creationId xmlns:p14="http://schemas.microsoft.com/office/powerpoint/2010/main" val="721952221"/>
-      </p:ext>
-    </p:extLst>
-  </p:cSld>
-  <p:clrMapOvr>
-    <a:masterClrMapping/>
-  </p:clrMapOvr>
-  <p:timing>
-    <p:tnLst>
-      <p:par>
-        <p:cTn id="1" dur="indefinite" restart="never" nodeType="tmRoot"/>
-      </p:par>
-    </p:tnLst>
-  </p:timing>
-</p:sld>
-</file>
-
-<file path=ppt/slides/slide13.xml><?xml version="1.0" encoding="utf-8"?>
-<p:sld xmlns:a="http://schemas.openxmlformats.org/drawingml/2006/main" xmlns:r="http://schemas.openxmlformats.org/officeDocument/2006/relationships" xmlns:p="http://schemas.openxmlformats.org/presentationml/2006/main">
-  <p:cSld>
-    <p:spTree>
-      <p:nvGrpSpPr>
-        <p:cNvPr id="1" name=""/>
-        <p:cNvGrpSpPr/>
-        <p:nvPr/>
-      </p:nvGrpSpPr>
-      <p:grpSpPr>
-        <a:xfrm>
-          <a:off x="0" y="0"/>
-          <a:ext cx="0" cy="0"/>
-          <a:chOff x="0" y="0"/>
-          <a:chExt cx="0" cy="0"/>
-        </a:xfrm>
-      </p:grpSpPr>
-      <p:sp>
-        <p:nvSpPr>
-          <p:cNvPr id="2" name="Title 1"/>
-          <p:cNvSpPr>
-            <a:spLocks noGrp="1"/>
-          </p:cNvSpPr>
-          <p:nvPr>
-            <p:ph type="title"/>
-          </p:nvPr>
-        </p:nvSpPr>
         <p:spPr/>
         <p:txBody>
           <a:bodyPr>
@@ -14663,7 +14324,7 @@
           <a:graphicData uri="http://schemas.openxmlformats.org/presentationml/2006/ole">
             <mc:AlternateContent xmlns:mc="http://schemas.openxmlformats.org/markup-compatibility/2006">
               <mc:Choice xmlns:v="urn:schemas-microsoft-com:vml" Requires="v">
-                <p:oleObj spid="_x0000_s2132" name="Document" r:id="rId3" imgW="5972760" imgH="2429280" progId="Word.OpenDocumentText.12">
+                <p:oleObj spid="_x0000_s2150" name="Document" r:id="rId3" imgW="5972760" imgH="2429280" progId="Word.OpenDocumentText.12">
                   <p:embed/>
                 </p:oleObj>
               </mc:Choice>
@@ -14727,7 +14388,7 @@
 </p:sld>
 </file>
 
-<file path=ppt/slides/slide14.xml><?xml version="1.0" encoding="utf-8"?>
+<file path=ppt/slides/slide12.xml><?xml version="1.0" encoding="utf-8"?>
 <p:sld xmlns:a="http://schemas.openxmlformats.org/drawingml/2006/main" xmlns:r="http://schemas.openxmlformats.org/officeDocument/2006/relationships" xmlns:p="http://schemas.openxmlformats.org/presentationml/2006/main">
   <p:cSld>
     <p:spTree>
@@ -14849,7 +14510,7 @@
 </p:sld>
 </file>
 
-<file path=ppt/slides/slide15.xml><?xml version="1.0" encoding="utf-8"?>
+<file path=ppt/slides/slide13.xml><?xml version="1.0" encoding="utf-8"?>
 <p:sld xmlns:a="http://schemas.openxmlformats.org/drawingml/2006/main" xmlns:r="http://schemas.openxmlformats.org/officeDocument/2006/relationships" xmlns:p="http://schemas.openxmlformats.org/presentationml/2006/main">
   <p:cSld>
     <p:spTree>
@@ -14885,30 +14546,35 @@
           </a:p>
         </p:txBody>
       </p:sp>
-      <p:sp>
-        <p:nvSpPr>
-          <p:cNvPr id="3" name="Content Placeholder 2"/>
-          <p:cNvSpPr>
-            <a:spLocks noGrp="1"/>
-          </p:cNvSpPr>
+      <p:pic>
+        <p:nvPicPr>
+          <p:cNvPr id="6" name="Content Placeholder 5"/>
+          <p:cNvPicPr>
+            <a:picLocks noGrp="1" noChangeAspect="1"/>
+          </p:cNvPicPr>
           <p:nvPr>
             <p:ph idx="1"/>
           </p:nvPr>
-        </p:nvSpPr>
+        </p:nvPicPr>
+        <p:blipFill>
+          <a:blip r:embed="rId2">
+            <a:extLst>
+              <a:ext uri="{28A0092B-C50C-407E-A947-70E740481C1C}">
+                <a14:useLocalDpi xmlns:a14="http://schemas.microsoft.com/office/drawing/2010/main" val="0"/>
+              </a:ext>
+            </a:extLst>
+          </a:blip>
+          <a:stretch>
+            <a:fillRect/>
+          </a:stretch>
+        </p:blipFill>
         <p:spPr>
           <a:xfrm>
-            <a:off x="1043492" y="1772816"/>
-            <a:ext cx="6777317" cy="3508977"/>
+            <a:off x="1187624" y="3068960"/>
+            <a:ext cx="2520396" cy="2843524"/>
           </a:xfrm>
         </p:spPr>
-        <p:txBody>
-          <a:bodyPr/>
-          <a:lstStyle/>
-          <a:p>
-            <a:endParaRPr lang="ro-RO" dirty="0"/>
-          </a:p>
-        </p:txBody>
-      </p:sp>
+      </p:pic>
       <p:sp>
         <p:nvSpPr>
           <p:cNvPr id="4" name="Title 1"/>
@@ -15018,7 +14684,7 @@
         </p:nvSpPr>
         <p:spPr>
           <a:xfrm>
-            <a:off x="1043492" y="1556792"/>
+            <a:off x="1043492" y="908720"/>
             <a:ext cx="6777317" cy="3508977"/>
           </a:xfrm>
           <a:prstGeom prst="rect">
@@ -15272,7 +14938,7 @@
           <p:nvPr/>
         </p:nvPicPr>
         <p:blipFill>
-          <a:blip r:embed="rId2">
+          <a:blip r:embed="rId3">
             <a:extLst>
               <a:ext uri="{28A0092B-C50C-407E-A947-70E740481C1C}">
                 <a14:useLocalDpi xmlns:a14="http://schemas.microsoft.com/office/drawing/2010/main" val="0"/>
@@ -15347,7 +15013,7 @@
 </p:sld>
 </file>
 
-<file path=ppt/slides/slide16.xml><?xml version="1.0" encoding="utf-8"?>
+<file path=ppt/slides/slide14.xml><?xml version="1.0" encoding="utf-8"?>
 <p:sld xmlns:a="http://schemas.openxmlformats.org/drawingml/2006/main" xmlns:r="http://schemas.openxmlformats.org/officeDocument/2006/relationships" xmlns:p="http://schemas.openxmlformats.org/presentationml/2006/main">
   <p:cSld>
     <p:spTree>
@@ -15464,7 +15130,7 @@
           <a:graphicData uri="http://schemas.openxmlformats.org/presentationml/2006/ole">
             <mc:AlternateContent xmlns:mc="http://schemas.openxmlformats.org/markup-compatibility/2006">
               <mc:Choice xmlns:v="urn:schemas-microsoft-com:vml" Requires="v">
-                <p:oleObj spid="_x0000_s4228" r:id="rId3" imgW="1333500" imgH="457200" progId="Equation.DSMT4">
+                <p:oleObj spid="_x0000_s4246" r:id="rId3" imgW="1333500" imgH="457200" progId="Equation.DSMT4">
                   <p:embed/>
                 </p:oleObj>
               </mc:Choice>
@@ -15570,21 +15236,7 @@
                 <a:ea typeface="Verdana" pitchFamily="34" charset="0"/>
                 <a:cs typeface="Verdana" pitchFamily="34" charset="0"/>
               </a:rPr>
-              <a:t>Creşterea </a:t>
-            </a:r>
-            <a:r>
-              <a:rPr lang="ro-RO" sz="2400" dirty="0" smtClean="0">
-                <a:solidFill>
-                  <a:schemeClr val="tx1">
-                    <a:lumMod val="75000"/>
-                    <a:lumOff val="25000"/>
-                  </a:schemeClr>
-                </a:solidFill>
-                <a:latin typeface="Verdana" pitchFamily="34" charset="0"/>
-                <a:ea typeface="Verdana" pitchFamily="34" charset="0"/>
-                <a:cs typeface="Verdana" pitchFamily="34" charset="0"/>
-              </a:rPr>
-              <a:t>lujerului viţei de vie.</a:t>
+              <a:t>Creşterea lujerului viţei de vie.</a:t>
             </a:r>
           </a:p>
           <a:p>
@@ -15633,7 +15285,7 @@
 </p:sld>
 </file>
 
-<file path=ppt/slides/slide17.xml><?xml version="1.0" encoding="utf-8"?>
+<file path=ppt/slides/slide15.xml><?xml version="1.0" encoding="utf-8"?>
 <p:sld xmlns:a="http://schemas.openxmlformats.org/drawingml/2006/main" xmlns:r="http://schemas.openxmlformats.org/officeDocument/2006/relationships" xmlns:p="http://schemas.openxmlformats.org/presentationml/2006/main">
   <p:cSld>
     <p:spTree>
@@ -15723,7 +15375,7 @@
           <a:graphicData uri="http://schemas.openxmlformats.org/presentationml/2006/ole">
             <mc:AlternateContent xmlns:mc="http://schemas.openxmlformats.org/markup-compatibility/2006">
               <mc:Choice xmlns:v="urn:schemas-microsoft-com:vml" Requires="v">
-                <p:oleObj spid="_x0000_s5136" name="Document" r:id="rId4" imgW="5972760" imgH="791280" progId="Word.OpenDocumentText.12">
+                <p:oleObj spid="_x0000_s5154" name="Document" r:id="rId4" imgW="5972760" imgH="791280" progId="Word.OpenDocumentText.12">
                   <p:embed/>
                 </p:oleObj>
               </mc:Choice>
@@ -15799,7 +15451,7 @@
 </p:sld>
 </file>
 
-<file path=ppt/slides/slide18.xml><?xml version="1.0" encoding="utf-8"?>
+<file path=ppt/slides/slide16.xml><?xml version="1.0" encoding="utf-8"?>
 <p:sld xmlns:a="http://schemas.openxmlformats.org/drawingml/2006/main" xmlns:r="http://schemas.openxmlformats.org/officeDocument/2006/relationships" xmlns:p="http://schemas.openxmlformats.org/presentationml/2006/main">
   <p:cSld>
     <p:spTree>
@@ -15826,7 +15478,12 @@
             <p:ph type="title"/>
           </p:nvPr>
         </p:nvSpPr>
-        <p:spPr/>
+        <p:spPr>
+          <a:xfrm>
+            <a:off x="1043490" y="620688"/>
+            <a:ext cx="7024744" cy="1143000"/>
+          </a:xfrm>
+        </p:spPr>
         <p:txBody>
           <a:bodyPr/>
           <a:lstStyle/>
@@ -15865,9 +15522,16 @@
             <p:ph idx="1"/>
           </p:nvPr>
         </p:nvSpPr>
-        <p:spPr/>
+        <p:spPr>
+          <a:xfrm>
+            <a:off x="1043492" y="1916832"/>
+            <a:ext cx="6777317" cy="3508977"/>
+          </a:xfrm>
+        </p:spPr>
         <p:txBody>
-          <a:bodyPr/>
+          <a:bodyPr>
+            <a:normAutofit fontScale="92500" lnSpcReduction="10000"/>
+          </a:bodyPr>
           <a:lstStyle/>
           <a:p>
             <a:r>
@@ -15893,8 +15557,13 @@
                 <a:ea typeface="Verdana" pitchFamily="34" charset="0"/>
                 <a:cs typeface="Verdana" pitchFamily="34" charset="0"/>
               </a:rPr>
-              <a:t>Importanţa temei</a:t>
+              <a:t>Observarea comportamentului organismelor din astfel de biosisteme</a:t>
             </a:r>
+            <a:endParaRPr lang="ro-RO" dirty="0" smtClean="0">
+              <a:latin typeface="Verdana" pitchFamily="34" charset="0"/>
+              <a:ea typeface="Verdana" pitchFamily="34" charset="0"/>
+              <a:cs typeface="Verdana" pitchFamily="34" charset="0"/>
+            </a:endParaRPr>
           </a:p>
           <a:p>
             <a:endParaRPr lang="ro-RO" dirty="0">
@@ -15910,7 +15579,7 @@
                 <a:ea typeface="Verdana" pitchFamily="34" charset="0"/>
                 <a:cs typeface="Verdana" pitchFamily="34" charset="0"/>
               </a:rPr>
-              <a:t>Sugestii de continuare a temei</a:t>
+              <a:t>Direcţii de continuare: studierea modelelor şi în cazul altor organisme, extinderea la unele modele relative la celule animale şi umane.</a:t>
             </a:r>
             <a:endParaRPr lang="ro-RO" dirty="0">
               <a:latin typeface="Verdana" pitchFamily="34" charset="0"/>
@@ -15940,7 +15609,7 @@
 </p:sld>
 </file>
 
-<file path=ppt/slides/slide19.xml><?xml version="1.0" encoding="utf-8"?>
+<file path=ppt/slides/slide17.xml><?xml version="1.0" encoding="utf-8"?>
 <p:sld xmlns:a="http://schemas.openxmlformats.org/drawingml/2006/main" xmlns:r="http://schemas.openxmlformats.org/officeDocument/2006/relationships" xmlns:p="http://schemas.openxmlformats.org/presentationml/2006/main">
   <p:cSld>
     <p:spTree>
@@ -16270,7 +15939,12 @@
             <p:ph type="title"/>
           </p:nvPr>
         </p:nvSpPr>
-        <p:spPr/>
+        <p:spPr>
+          <a:xfrm>
+            <a:off x="1043608" y="476672"/>
+            <a:ext cx="7024744" cy="1143000"/>
+          </a:xfrm>
+        </p:spPr>
         <p:txBody>
           <a:bodyPr>
             <a:noAutofit/>
@@ -16341,7 +16015,12 @@
             <p:ph idx="1"/>
           </p:nvPr>
         </p:nvSpPr>
-        <p:spPr/>
+        <p:spPr>
+          <a:xfrm>
+            <a:off x="1043608" y="1700808"/>
+            <a:ext cx="6777317" cy="3508977"/>
+          </a:xfrm>
+        </p:spPr>
         <p:txBody>
           <a:bodyPr/>
           <a:lstStyle/>
@@ -16433,7 +16112,15 @@
                 <a:ea typeface="Verdana" pitchFamily="34" charset="0"/>
                 <a:cs typeface="Verdana" pitchFamily="34" charset="0"/>
               </a:rPr>
-              <a:t> a unor biosisteme vegetale, tratând evoluţia celulară a acestora, în starea lor naturală, precum şi sub incidenţa unor factori perturbatori.</a:t>
+              <a:t> a unor biosisteme vegetale, tratând evoluţia celulară a acestora, în starea lor naturală, precum şi sub incidenţa unor factori perturbatori</a:t>
+            </a:r>
+            <a:r>
+              <a:rPr lang="vi-VN" dirty="0" smtClean="0">
+                <a:latin typeface="Verdana" pitchFamily="34" charset="0"/>
+                <a:ea typeface="Verdana" pitchFamily="34" charset="0"/>
+                <a:cs typeface="Verdana" pitchFamily="34" charset="0"/>
+              </a:rPr>
+              <a:t>.</a:t>
             </a:r>
             <a:endParaRPr lang="ro-RO" dirty="0">
               <a:latin typeface="Verdana" pitchFamily="34" charset="0"/>
@@ -16442,10 +16129,78 @@
             </a:endParaRPr>
           </a:p>
           <a:p>
+            <a:pPr algn="just"/>
+            <a:endParaRPr lang="ro-RO" dirty="0">
+              <a:latin typeface="Verdana" pitchFamily="34" charset="0"/>
+              <a:ea typeface="Verdana" pitchFamily="34" charset="0"/>
+              <a:cs typeface="Verdana" pitchFamily="34" charset="0"/>
+            </a:endParaRPr>
+          </a:p>
+          <a:p>
             <a:endParaRPr lang="ro-RO" dirty="0"/>
           </a:p>
         </p:txBody>
       </p:sp>
+      <p:pic>
+        <p:nvPicPr>
+          <p:cNvPr id="4" name="Content Placeholder 3"/>
+          <p:cNvPicPr>
+            <a:picLocks noChangeAspect="1"/>
+          </p:cNvPicPr>
+          <p:nvPr/>
+        </p:nvPicPr>
+        <p:blipFill>
+          <a:blip r:embed="rId2" cstate="print">
+            <a:extLst>
+              <a:ext uri="{28A0092B-C50C-407E-A947-70E740481C1C}">
+                <a14:useLocalDpi xmlns:a14="http://schemas.microsoft.com/office/drawing/2010/main" val="0"/>
+              </a:ext>
+            </a:extLst>
+          </a:blip>
+          <a:stretch>
+            <a:fillRect/>
+          </a:stretch>
+        </p:blipFill>
+        <p:spPr>
+          <a:xfrm>
+            <a:off x="1043608" y="4279423"/>
+            <a:ext cx="2952328" cy="2085838"/>
+          </a:xfrm>
+          <a:prstGeom prst="rect">
+            <a:avLst/>
+          </a:prstGeom>
+        </p:spPr>
+      </p:pic>
+      <p:pic>
+        <p:nvPicPr>
+          <p:cNvPr id="5" name="Content Placeholder 3"/>
+          <p:cNvPicPr>
+            <a:picLocks noChangeAspect="1"/>
+          </p:cNvPicPr>
+          <p:nvPr/>
+        </p:nvPicPr>
+        <p:blipFill>
+          <a:blip r:embed="rId3" cstate="print">
+            <a:extLst>
+              <a:ext uri="{28A0092B-C50C-407E-A947-70E740481C1C}">
+                <a14:useLocalDpi xmlns:a14="http://schemas.microsoft.com/office/drawing/2010/main" val="0"/>
+              </a:ext>
+            </a:extLst>
+          </a:blip>
+          <a:stretch>
+            <a:fillRect/>
+          </a:stretch>
+        </p:blipFill>
+        <p:spPr>
+          <a:xfrm>
+            <a:off x="4716016" y="4293095"/>
+            <a:ext cx="3406856" cy="2072165"/>
+          </a:xfrm>
+          <a:prstGeom prst="rect">
+            <a:avLst/>
+          </a:prstGeom>
+        </p:spPr>
+      </p:pic>
     </p:spTree>
     <p:extLst>
       <p:ext uri="{BB962C8B-B14F-4D97-AF65-F5344CB8AC3E}">
@@ -16621,48 +16376,198 @@
             <p:ph type="title"/>
           </p:nvPr>
         </p:nvSpPr>
-        <p:spPr/>
+        <p:spPr>
+          <a:xfrm>
+            <a:off x="1115616" y="1565920"/>
+            <a:ext cx="7024744" cy="1143000"/>
+          </a:xfrm>
+        </p:spPr>
+        <p:txBody>
+          <a:bodyPr>
+            <a:noAutofit/>
+          </a:bodyPr>
+          <a:lstStyle/>
+          <a:p>
+            <a:pPr algn="ctr"/>
+            <a:r>
+              <a:rPr lang="ro-RO" dirty="0" smtClean="0">
+                <a:solidFill>
+                  <a:schemeClr val="accent1">
+                    <a:lumMod val="75000"/>
+                  </a:schemeClr>
+                </a:solidFill>
+                <a:latin typeface="+mn-lt"/>
+                <a:cs typeface="Times New Roman" panose="02020603050405020304" pitchFamily="18" charset="0"/>
+              </a:rPr>
+              <a:t>Etape </a:t>
+            </a:r>
+            <a:r>
+              <a:rPr lang="ro-RO" dirty="0">
+                <a:solidFill>
+                  <a:schemeClr val="accent1">
+                    <a:lumMod val="75000"/>
+                  </a:schemeClr>
+                </a:solidFill>
+                <a:latin typeface="+mn-lt"/>
+                <a:cs typeface="Times New Roman" panose="02020603050405020304" pitchFamily="18" charset="0"/>
+              </a:rPr>
+              <a:t>generale ale elaborării unui model </a:t>
+            </a:r>
+            <a:r>
+              <a:rPr lang="ro-RO" dirty="0" smtClean="0">
+                <a:solidFill>
+                  <a:schemeClr val="accent1">
+                    <a:lumMod val="75000"/>
+                  </a:schemeClr>
+                </a:solidFill>
+                <a:latin typeface="+mn-lt"/>
+                <a:cs typeface="Times New Roman" panose="02020603050405020304" pitchFamily="18" charset="0"/>
+              </a:rPr>
+              <a:t>matematic</a:t>
+            </a:r>
+            <a:endParaRPr lang="ro-RO" dirty="0">
+              <a:solidFill>
+                <a:schemeClr val="accent1">
+                  <a:lumMod val="75000"/>
+                </a:schemeClr>
+              </a:solidFill>
+              <a:latin typeface="+mn-lt"/>
+            </a:endParaRPr>
+          </a:p>
+        </p:txBody>
+      </p:sp>
+      <p:sp>
+        <p:nvSpPr>
+          <p:cNvPr id="3" name="Content Placeholder 2"/>
+          <p:cNvSpPr>
+            <a:spLocks noGrp="1"/>
+          </p:cNvSpPr>
+          <p:nvPr>
+            <p:ph idx="1"/>
+          </p:nvPr>
+        </p:nvSpPr>
+        <p:spPr>
+          <a:xfrm>
+            <a:off x="1187624" y="2800343"/>
+            <a:ext cx="6777317" cy="3508977"/>
+          </a:xfrm>
+        </p:spPr>
         <p:txBody>
           <a:bodyPr/>
           <a:lstStyle/>
           <a:p>
-            <a:endParaRPr lang="ro-RO"/>
+            <a:pPr indent="-342900">
+              <a:lnSpc>
+                <a:spcPct val="150000"/>
+              </a:lnSpc>
+            </a:pPr>
+            <a:r>
+              <a:rPr lang="it-IT" dirty="0" smtClean="0">
+                <a:latin typeface="Verdana" pitchFamily="34" charset="0"/>
+                <a:ea typeface="Verdana" pitchFamily="34" charset="0"/>
+                <a:cs typeface="Verdana" pitchFamily="34" charset="0"/>
+              </a:rPr>
+              <a:t>Formularea </a:t>
+            </a:r>
+            <a:r>
+              <a:rPr lang="it-IT" dirty="0">
+                <a:latin typeface="Verdana" pitchFamily="34" charset="0"/>
+                <a:ea typeface="Verdana" pitchFamily="34" charset="0"/>
+                <a:cs typeface="Verdana" pitchFamily="34" charset="0"/>
+              </a:rPr>
+              <a:t>matematică</a:t>
+            </a:r>
+            <a:endParaRPr lang="ro-RO" dirty="0">
+              <a:latin typeface="Verdana" pitchFamily="34" charset="0"/>
+              <a:ea typeface="Verdana" pitchFamily="34" charset="0"/>
+              <a:cs typeface="Verdana" pitchFamily="34" charset="0"/>
+            </a:endParaRPr>
+          </a:p>
+          <a:p>
+            <a:pPr indent="-342900">
+              <a:lnSpc>
+                <a:spcPct val="150000"/>
+              </a:lnSpc>
+            </a:pPr>
+            <a:r>
+              <a:rPr lang="it-IT" dirty="0" smtClean="0">
+                <a:latin typeface="Verdana" pitchFamily="34" charset="0"/>
+                <a:ea typeface="Verdana" pitchFamily="34" charset="0"/>
+                <a:cs typeface="Verdana" pitchFamily="34" charset="0"/>
+              </a:rPr>
+              <a:t>Programare</a:t>
+            </a:r>
+            <a:r>
+              <a:rPr lang="ro-RO" dirty="0">
+                <a:latin typeface="Verdana" pitchFamily="34" charset="0"/>
+                <a:ea typeface="Verdana" pitchFamily="34" charset="0"/>
+                <a:cs typeface="Verdana" pitchFamily="34" charset="0"/>
+              </a:rPr>
+              <a:t>a</a:t>
+            </a:r>
+          </a:p>
+          <a:p>
+            <a:pPr indent="-342900">
+              <a:lnSpc>
+                <a:spcPct val="150000"/>
+              </a:lnSpc>
+            </a:pPr>
+            <a:r>
+              <a:rPr lang="it-IT" dirty="0" smtClean="0">
+                <a:latin typeface="Verdana" pitchFamily="34" charset="0"/>
+                <a:ea typeface="Verdana" pitchFamily="34" charset="0"/>
+                <a:cs typeface="Verdana" pitchFamily="34" charset="0"/>
+              </a:rPr>
+              <a:t>Estimarea </a:t>
+            </a:r>
+            <a:r>
+              <a:rPr lang="it-IT" dirty="0">
+                <a:latin typeface="Verdana" pitchFamily="34" charset="0"/>
+                <a:ea typeface="Verdana" pitchFamily="34" charset="0"/>
+                <a:cs typeface="Verdana" pitchFamily="34" charset="0"/>
+              </a:rPr>
+              <a:t>parametrilor </a:t>
+            </a:r>
+            <a:endParaRPr lang="ro-RO" dirty="0">
+              <a:latin typeface="Verdana" pitchFamily="34" charset="0"/>
+              <a:ea typeface="Verdana" pitchFamily="34" charset="0"/>
+              <a:cs typeface="Verdana" pitchFamily="34" charset="0"/>
+            </a:endParaRPr>
+          </a:p>
+          <a:p>
+            <a:pPr indent="-342900">
+              <a:lnSpc>
+                <a:spcPct val="150000"/>
+              </a:lnSpc>
+            </a:pPr>
+            <a:r>
+              <a:rPr lang="it-IT" dirty="0" smtClean="0">
+                <a:latin typeface="Verdana" pitchFamily="34" charset="0"/>
+                <a:ea typeface="Verdana" pitchFamily="34" charset="0"/>
+                <a:cs typeface="Verdana" pitchFamily="34" charset="0"/>
+              </a:rPr>
+              <a:t>Evaluarea </a:t>
+            </a:r>
+            <a:r>
+              <a:rPr lang="it-IT" dirty="0">
+                <a:latin typeface="Verdana" pitchFamily="34" charset="0"/>
+                <a:ea typeface="Verdana" pitchFamily="34" charset="0"/>
+                <a:cs typeface="Verdana" pitchFamily="34" charset="0"/>
+              </a:rPr>
+              <a:t>modelului</a:t>
+            </a:r>
+            <a:endParaRPr lang="ro-RO" dirty="0">
+              <a:latin typeface="Verdana" pitchFamily="34" charset="0"/>
+              <a:ea typeface="Verdana" pitchFamily="34" charset="0"/>
+              <a:cs typeface="Verdana" pitchFamily="34" charset="0"/>
+            </a:endParaRPr>
           </a:p>
         </p:txBody>
       </p:sp>
-      <p:pic>
-        <p:nvPicPr>
-          <p:cNvPr id="4" name="Content Placeholder 3"/>
-          <p:cNvPicPr>
-            <a:picLocks noGrp="1" noChangeAspect="1"/>
-          </p:cNvPicPr>
-          <p:nvPr>
-            <p:ph idx="1"/>
-          </p:nvPr>
-        </p:nvPicPr>
-        <p:blipFill>
-          <a:blip r:embed="rId2">
-            <a:extLst>
-              <a:ext uri="{28A0092B-C50C-407E-A947-70E740481C1C}">
-                <a14:useLocalDpi xmlns:a14="http://schemas.microsoft.com/office/drawing/2010/main" val="0"/>
-              </a:ext>
-            </a:extLst>
-          </a:blip>
-          <a:stretch>
-            <a:fillRect/>
-          </a:stretch>
-        </p:blipFill>
-        <p:spPr>
-          <a:xfrm>
-            <a:off x="1475656" y="1124744"/>
-            <a:ext cx="6264696" cy="4775471"/>
-          </a:xfrm>
-        </p:spPr>
-      </p:pic>
     </p:spTree>
     <p:extLst>
       <p:ext uri="{BB962C8B-B14F-4D97-AF65-F5344CB8AC3E}">
-        <p14:creationId xmlns:p14="http://schemas.microsoft.com/office/powerpoint/2010/main" val="1797630695"/>
+        <p14:creationId xmlns:p14="http://schemas.microsoft.com/office/powerpoint/2010/main" val="2573926100"/>
       </p:ext>
     </p:extLst>
   </p:cSld>
@@ -16708,326 +16613,6 @@
         </p:nvSpPr>
         <p:spPr/>
         <p:txBody>
-          <a:bodyPr/>
-          <a:lstStyle/>
-          <a:p>
-            <a:endParaRPr lang="ro-RO"/>
-          </a:p>
-        </p:txBody>
-      </p:sp>
-      <p:pic>
-        <p:nvPicPr>
-          <p:cNvPr id="4" name="Content Placeholder 3"/>
-          <p:cNvPicPr>
-            <a:picLocks noGrp="1" noChangeAspect="1"/>
-          </p:cNvPicPr>
-          <p:nvPr>
-            <p:ph idx="1"/>
-          </p:nvPr>
-        </p:nvPicPr>
-        <p:blipFill>
-          <a:blip r:embed="rId2">
-            <a:extLst>
-              <a:ext uri="{28A0092B-C50C-407E-A947-70E740481C1C}">
-                <a14:useLocalDpi xmlns:a14="http://schemas.microsoft.com/office/drawing/2010/main" val="0"/>
-              </a:ext>
-            </a:extLst>
-          </a:blip>
-          <a:stretch>
-            <a:fillRect/>
-          </a:stretch>
-        </p:blipFill>
-        <p:spPr>
-          <a:xfrm>
-            <a:off x="1452282" y="1700808"/>
-            <a:ext cx="6360078" cy="3868415"/>
-          </a:xfrm>
-        </p:spPr>
-      </p:pic>
-    </p:spTree>
-    <p:extLst>
-      <p:ext uri="{BB962C8B-B14F-4D97-AF65-F5344CB8AC3E}">
-        <p14:creationId xmlns:p14="http://schemas.microsoft.com/office/powerpoint/2010/main" val="2052776233"/>
-      </p:ext>
-    </p:extLst>
-  </p:cSld>
-  <p:clrMapOvr>
-    <a:masterClrMapping/>
-  </p:clrMapOvr>
-  <p:timing>
-    <p:tnLst>
-      <p:par>
-        <p:cTn id="1" dur="indefinite" restart="never" nodeType="tmRoot"/>
-      </p:par>
-    </p:tnLst>
-  </p:timing>
-</p:sld>
-</file>
-
-<file path=ppt/slides/slide7.xml><?xml version="1.0" encoding="utf-8"?>
-<p:sld xmlns:a="http://schemas.openxmlformats.org/drawingml/2006/main" xmlns:r="http://schemas.openxmlformats.org/officeDocument/2006/relationships" xmlns:p="http://schemas.openxmlformats.org/presentationml/2006/main">
-  <p:cSld>
-    <p:spTree>
-      <p:nvGrpSpPr>
-        <p:cNvPr id="1" name=""/>
-        <p:cNvGrpSpPr/>
-        <p:nvPr/>
-      </p:nvGrpSpPr>
-      <p:grpSpPr>
-        <a:xfrm>
-          <a:off x="0" y="0"/>
-          <a:ext cx="0" cy="0"/>
-          <a:chOff x="0" y="0"/>
-          <a:chExt cx="0" cy="0"/>
-        </a:xfrm>
-      </p:grpSpPr>
-      <p:sp>
-        <p:nvSpPr>
-          <p:cNvPr id="2" name="Title 1"/>
-          <p:cNvSpPr>
-            <a:spLocks noGrp="1"/>
-          </p:cNvSpPr>
-          <p:nvPr>
-            <p:ph type="title"/>
-          </p:nvPr>
-        </p:nvSpPr>
-        <p:spPr>
-          <a:xfrm>
-            <a:off x="1115616" y="1565920"/>
-            <a:ext cx="7024744" cy="1143000"/>
-          </a:xfrm>
-        </p:spPr>
-        <p:txBody>
-          <a:bodyPr>
-            <a:noAutofit/>
-          </a:bodyPr>
-          <a:lstStyle/>
-          <a:p>
-            <a:pPr algn="ctr"/>
-            <a:r>
-              <a:rPr lang="ro-RO" dirty="0" smtClean="0">
-                <a:solidFill>
-                  <a:schemeClr val="accent1">
-                    <a:lumMod val="75000"/>
-                  </a:schemeClr>
-                </a:solidFill>
-                <a:latin typeface="+mn-lt"/>
-                <a:cs typeface="Times New Roman" panose="02020603050405020304" pitchFamily="18" charset="0"/>
-              </a:rPr>
-              <a:t>Etape </a:t>
-            </a:r>
-            <a:r>
-              <a:rPr lang="ro-RO" dirty="0">
-                <a:solidFill>
-                  <a:schemeClr val="accent1">
-                    <a:lumMod val="75000"/>
-                  </a:schemeClr>
-                </a:solidFill>
-                <a:latin typeface="+mn-lt"/>
-                <a:cs typeface="Times New Roman" panose="02020603050405020304" pitchFamily="18" charset="0"/>
-              </a:rPr>
-              <a:t>generale ale elaborării unui model </a:t>
-            </a:r>
-            <a:r>
-              <a:rPr lang="ro-RO" dirty="0" smtClean="0">
-                <a:solidFill>
-                  <a:schemeClr val="accent1">
-                    <a:lumMod val="75000"/>
-                  </a:schemeClr>
-                </a:solidFill>
-                <a:latin typeface="+mn-lt"/>
-                <a:cs typeface="Times New Roman" panose="02020603050405020304" pitchFamily="18" charset="0"/>
-              </a:rPr>
-              <a:t>matematic</a:t>
-            </a:r>
-            <a:endParaRPr lang="ro-RO" dirty="0">
-              <a:solidFill>
-                <a:schemeClr val="accent1">
-                  <a:lumMod val="75000"/>
-                </a:schemeClr>
-              </a:solidFill>
-              <a:latin typeface="+mn-lt"/>
-            </a:endParaRPr>
-          </a:p>
-        </p:txBody>
-      </p:sp>
-      <p:sp>
-        <p:nvSpPr>
-          <p:cNvPr id="3" name="Content Placeholder 2"/>
-          <p:cNvSpPr>
-            <a:spLocks noGrp="1"/>
-          </p:cNvSpPr>
-          <p:nvPr>
-            <p:ph idx="1"/>
-          </p:nvPr>
-        </p:nvSpPr>
-        <p:spPr>
-          <a:xfrm>
-            <a:off x="1187624" y="2800343"/>
-            <a:ext cx="6777317" cy="3508977"/>
-          </a:xfrm>
-        </p:spPr>
-        <p:txBody>
-          <a:bodyPr/>
-          <a:lstStyle/>
-          <a:p>
-            <a:pPr indent="-342900">
-              <a:lnSpc>
-                <a:spcPct val="150000"/>
-              </a:lnSpc>
-            </a:pPr>
-            <a:r>
-              <a:rPr lang="it-IT" dirty="0" smtClean="0">
-                <a:latin typeface="Verdana" pitchFamily="34" charset="0"/>
-                <a:ea typeface="Verdana" pitchFamily="34" charset="0"/>
-                <a:cs typeface="Verdana" pitchFamily="34" charset="0"/>
-              </a:rPr>
-              <a:t>Formularea </a:t>
-            </a:r>
-            <a:r>
-              <a:rPr lang="it-IT" dirty="0">
-                <a:latin typeface="Verdana" pitchFamily="34" charset="0"/>
-                <a:ea typeface="Verdana" pitchFamily="34" charset="0"/>
-                <a:cs typeface="Verdana" pitchFamily="34" charset="0"/>
-              </a:rPr>
-              <a:t>matematică</a:t>
-            </a:r>
-            <a:endParaRPr lang="ro-RO" dirty="0">
-              <a:latin typeface="Verdana" pitchFamily="34" charset="0"/>
-              <a:ea typeface="Verdana" pitchFamily="34" charset="0"/>
-              <a:cs typeface="Verdana" pitchFamily="34" charset="0"/>
-            </a:endParaRPr>
-          </a:p>
-          <a:p>
-            <a:pPr indent="-342900">
-              <a:lnSpc>
-                <a:spcPct val="150000"/>
-              </a:lnSpc>
-            </a:pPr>
-            <a:r>
-              <a:rPr lang="it-IT" dirty="0" smtClean="0">
-                <a:latin typeface="Verdana" pitchFamily="34" charset="0"/>
-                <a:ea typeface="Verdana" pitchFamily="34" charset="0"/>
-                <a:cs typeface="Verdana" pitchFamily="34" charset="0"/>
-              </a:rPr>
-              <a:t>Programare</a:t>
-            </a:r>
-            <a:r>
-              <a:rPr lang="ro-RO" dirty="0">
-                <a:latin typeface="Verdana" pitchFamily="34" charset="0"/>
-                <a:ea typeface="Verdana" pitchFamily="34" charset="0"/>
-                <a:cs typeface="Verdana" pitchFamily="34" charset="0"/>
-              </a:rPr>
-              <a:t>a</a:t>
-            </a:r>
-          </a:p>
-          <a:p>
-            <a:pPr indent="-342900">
-              <a:lnSpc>
-                <a:spcPct val="150000"/>
-              </a:lnSpc>
-            </a:pPr>
-            <a:r>
-              <a:rPr lang="it-IT" dirty="0" smtClean="0">
-                <a:latin typeface="Verdana" pitchFamily="34" charset="0"/>
-                <a:ea typeface="Verdana" pitchFamily="34" charset="0"/>
-                <a:cs typeface="Verdana" pitchFamily="34" charset="0"/>
-              </a:rPr>
-              <a:t>Estimarea </a:t>
-            </a:r>
-            <a:r>
-              <a:rPr lang="it-IT" dirty="0">
-                <a:latin typeface="Verdana" pitchFamily="34" charset="0"/>
-                <a:ea typeface="Verdana" pitchFamily="34" charset="0"/>
-                <a:cs typeface="Verdana" pitchFamily="34" charset="0"/>
-              </a:rPr>
-              <a:t>parametrilor </a:t>
-            </a:r>
-            <a:endParaRPr lang="ro-RO" dirty="0">
-              <a:latin typeface="Verdana" pitchFamily="34" charset="0"/>
-              <a:ea typeface="Verdana" pitchFamily="34" charset="0"/>
-              <a:cs typeface="Verdana" pitchFamily="34" charset="0"/>
-            </a:endParaRPr>
-          </a:p>
-          <a:p>
-            <a:pPr indent="-342900">
-              <a:lnSpc>
-                <a:spcPct val="150000"/>
-              </a:lnSpc>
-            </a:pPr>
-            <a:r>
-              <a:rPr lang="it-IT" dirty="0" smtClean="0">
-                <a:latin typeface="Verdana" pitchFamily="34" charset="0"/>
-                <a:ea typeface="Verdana" pitchFamily="34" charset="0"/>
-                <a:cs typeface="Verdana" pitchFamily="34" charset="0"/>
-              </a:rPr>
-              <a:t>Evaluarea </a:t>
-            </a:r>
-            <a:r>
-              <a:rPr lang="it-IT" dirty="0">
-                <a:latin typeface="Verdana" pitchFamily="34" charset="0"/>
-                <a:ea typeface="Verdana" pitchFamily="34" charset="0"/>
-                <a:cs typeface="Verdana" pitchFamily="34" charset="0"/>
-              </a:rPr>
-              <a:t>modelului</a:t>
-            </a:r>
-            <a:endParaRPr lang="ro-RO" dirty="0">
-              <a:latin typeface="Verdana" pitchFamily="34" charset="0"/>
-              <a:ea typeface="Verdana" pitchFamily="34" charset="0"/>
-              <a:cs typeface="Verdana" pitchFamily="34" charset="0"/>
-            </a:endParaRPr>
-          </a:p>
-        </p:txBody>
-      </p:sp>
-    </p:spTree>
-    <p:extLst>
-      <p:ext uri="{BB962C8B-B14F-4D97-AF65-F5344CB8AC3E}">
-        <p14:creationId xmlns:p14="http://schemas.microsoft.com/office/powerpoint/2010/main" val="2573926100"/>
-      </p:ext>
-    </p:extLst>
-  </p:cSld>
-  <p:clrMapOvr>
-    <a:masterClrMapping/>
-  </p:clrMapOvr>
-  <p:timing>
-    <p:tnLst>
-      <p:par>
-        <p:cTn id="1" dur="indefinite" restart="never" nodeType="tmRoot"/>
-      </p:par>
-    </p:tnLst>
-  </p:timing>
-</p:sld>
-</file>
-
-<file path=ppt/slides/slide8.xml><?xml version="1.0" encoding="utf-8"?>
-<p:sld xmlns:a="http://schemas.openxmlformats.org/drawingml/2006/main" xmlns:r="http://schemas.openxmlformats.org/officeDocument/2006/relationships" xmlns:p="http://schemas.openxmlformats.org/presentationml/2006/main">
-  <p:cSld>
-    <p:spTree>
-      <p:nvGrpSpPr>
-        <p:cNvPr id="1" name=""/>
-        <p:cNvGrpSpPr/>
-        <p:nvPr/>
-      </p:nvGrpSpPr>
-      <p:grpSpPr>
-        <a:xfrm>
-          <a:off x="0" y="0"/>
-          <a:ext cx="0" cy="0"/>
-          <a:chOff x="0" y="0"/>
-          <a:chExt cx="0" cy="0"/>
-        </a:xfrm>
-      </p:grpSpPr>
-      <p:sp>
-        <p:nvSpPr>
-          <p:cNvPr id="2" name="Title 1"/>
-          <p:cNvSpPr>
-            <a:spLocks noGrp="1"/>
-          </p:cNvSpPr>
-          <p:nvPr>
-            <p:ph type="title"/>
-          </p:nvPr>
-        </p:nvSpPr>
-        <p:spPr/>
-        <p:txBody>
           <a:bodyPr>
             <a:noAutofit/>
           </a:bodyPr>
@@ -17199,7 +16784,7 @@
 </p:sld>
 </file>
 
-<file path=ppt/slides/slide9.xml><?xml version="1.0" encoding="utf-8"?>
+<file path=ppt/slides/slide7.xml><?xml version="1.0" encoding="utf-8"?>
 <p:sld xmlns:a="http://schemas.openxmlformats.org/drawingml/2006/main" xmlns:r="http://schemas.openxmlformats.org/officeDocument/2006/relationships" xmlns:p="http://schemas.openxmlformats.org/presentationml/2006/main">
   <p:cSld>
     <p:spTree>
@@ -17408,6 +16993,373 @@
     <p:extLst>
       <p:ext uri="{BB962C8B-B14F-4D97-AF65-F5344CB8AC3E}">
         <p14:creationId xmlns:p14="http://schemas.microsoft.com/office/powerpoint/2010/main" val="3465049888"/>
+      </p:ext>
+    </p:extLst>
+  </p:cSld>
+  <p:clrMapOvr>
+    <a:masterClrMapping/>
+  </p:clrMapOvr>
+  <p:timing>
+    <p:tnLst>
+      <p:par>
+        <p:cTn id="1" dur="indefinite" restart="never" nodeType="tmRoot"/>
+      </p:par>
+    </p:tnLst>
+  </p:timing>
+</p:sld>
+</file>
+
+<file path=ppt/slides/slide8.xml><?xml version="1.0" encoding="utf-8"?>
+<p:sld xmlns:a="http://schemas.openxmlformats.org/drawingml/2006/main" xmlns:r="http://schemas.openxmlformats.org/officeDocument/2006/relationships" xmlns:p="http://schemas.openxmlformats.org/presentationml/2006/main">
+  <p:cSld>
+    <p:spTree>
+      <p:nvGrpSpPr>
+        <p:cNvPr id="1" name=""/>
+        <p:cNvGrpSpPr/>
+        <p:nvPr/>
+      </p:nvGrpSpPr>
+      <p:grpSpPr>
+        <a:xfrm>
+          <a:off x="0" y="0"/>
+          <a:ext cx="0" cy="0"/>
+          <a:chOff x="0" y="0"/>
+          <a:chExt cx="0" cy="0"/>
+        </a:xfrm>
+      </p:grpSpPr>
+      <p:sp>
+        <p:nvSpPr>
+          <p:cNvPr id="2" name="Title 1"/>
+          <p:cNvSpPr>
+            <a:spLocks noGrp="1"/>
+          </p:cNvSpPr>
+          <p:nvPr>
+            <p:ph type="title"/>
+          </p:nvPr>
+        </p:nvSpPr>
+        <p:spPr/>
+        <p:txBody>
+          <a:bodyPr/>
+          <a:lstStyle/>
+          <a:p>
+            <a:endParaRPr lang="ro-RO" dirty="0"/>
+          </a:p>
+        </p:txBody>
+      </p:sp>
+      <p:sp>
+        <p:nvSpPr>
+          <p:cNvPr id="3" name="Content Placeholder 2"/>
+          <p:cNvSpPr>
+            <a:spLocks noGrp="1"/>
+          </p:cNvSpPr>
+          <p:nvPr>
+            <p:ph idx="1"/>
+          </p:nvPr>
+        </p:nvSpPr>
+        <p:spPr>
+          <a:xfrm>
+            <a:off x="1043492" y="1988840"/>
+            <a:ext cx="6777317" cy="3508977"/>
+          </a:xfrm>
+        </p:spPr>
+        <p:txBody>
+          <a:bodyPr/>
+          <a:lstStyle/>
+          <a:p>
+            <a:pPr indent="-342900"/>
+            <a:r>
+              <a:rPr lang="ro-RO" dirty="0">
+                <a:latin typeface="Verdana" pitchFamily="34" charset="0"/>
+                <a:ea typeface="Verdana" pitchFamily="34" charset="0"/>
+                <a:cs typeface="Verdana" pitchFamily="34" charset="0"/>
+              </a:rPr>
+              <a:t>Teoria </a:t>
+            </a:r>
+            <a:r>
+              <a:rPr lang="ro-RO" dirty="0" smtClean="0">
+                <a:latin typeface="Verdana" pitchFamily="34" charset="0"/>
+                <a:ea typeface="Verdana" pitchFamily="34" charset="0"/>
+                <a:cs typeface="Verdana" pitchFamily="34" charset="0"/>
+              </a:rPr>
+              <a:t>tridimensională</a:t>
+            </a:r>
+            <a:endParaRPr lang="ro-RO" dirty="0">
+              <a:latin typeface="Verdana" pitchFamily="34" charset="0"/>
+              <a:ea typeface="Verdana" pitchFamily="34" charset="0"/>
+              <a:cs typeface="Verdana" pitchFamily="34" charset="0"/>
+            </a:endParaRPr>
+          </a:p>
+          <a:p>
+            <a:pPr marL="68580" lvl="2" indent="0">
+              <a:buNone/>
+            </a:pPr>
+            <a:endParaRPr lang="ro-RO" sz="1800" b="1" dirty="0"/>
+          </a:p>
+          <a:p>
+            <a:pPr marL="68580" indent="0" algn="just">
+              <a:buNone/>
+            </a:pPr>
+            <a:r>
+              <a:rPr lang="ro-RO" dirty="0">
+                <a:latin typeface="Verdana" pitchFamily="34" charset="0"/>
+                <a:ea typeface="Verdana" pitchFamily="34" charset="0"/>
+                <a:cs typeface="Verdana" pitchFamily="34" charset="0"/>
+              </a:rPr>
+              <a:t>În cadrul acestui tip de creştere sunt vizate cu precădere corpurile elastice nelineare</a:t>
+            </a:r>
+            <a:r>
+              <a:rPr lang="ro-RO" dirty="0" smtClean="0">
+                <a:latin typeface="Verdana" pitchFamily="34" charset="0"/>
+                <a:ea typeface="Verdana" pitchFamily="34" charset="0"/>
+                <a:cs typeface="Verdana" pitchFamily="34" charset="0"/>
+              </a:rPr>
+              <a:t>.</a:t>
+            </a:r>
+          </a:p>
+          <a:p>
+            <a:pPr marL="68580" indent="0">
+              <a:buNone/>
+            </a:pPr>
+            <a:endParaRPr lang="ro-RO" dirty="0"/>
+          </a:p>
+          <a:p>
+            <a:r>
+              <a:rPr lang="ro-RO" b="1" dirty="0" smtClean="0">
+                <a:solidFill>
+                  <a:schemeClr val="bg2">
+                    <a:lumMod val="50000"/>
+                  </a:schemeClr>
+                </a:solidFill>
+              </a:rPr>
+              <a:t>Modelul de morfoelasticitate</a:t>
+            </a:r>
+            <a:endParaRPr lang="ro-RO" b="1" dirty="0">
+              <a:solidFill>
+                <a:schemeClr val="bg2">
+                  <a:lumMod val="50000"/>
+                </a:schemeClr>
+              </a:solidFill>
+            </a:endParaRPr>
+          </a:p>
+          <a:p>
+            <a:endParaRPr lang="ro-RO" dirty="0"/>
+          </a:p>
+        </p:txBody>
+      </p:sp>
+    </p:spTree>
+    <p:extLst>
+      <p:ext uri="{BB962C8B-B14F-4D97-AF65-F5344CB8AC3E}">
+        <p14:creationId xmlns:p14="http://schemas.microsoft.com/office/powerpoint/2010/main" val="3947558933"/>
+      </p:ext>
+    </p:extLst>
+  </p:cSld>
+  <p:clrMapOvr>
+    <a:masterClrMapping/>
+  </p:clrMapOvr>
+  <p:timing>
+    <p:tnLst>
+      <p:par>
+        <p:cTn id="1" dur="indefinite" restart="never" nodeType="tmRoot"/>
+      </p:par>
+    </p:tnLst>
+  </p:timing>
+</p:sld>
+</file>
+
+<file path=ppt/slides/slide9.xml><?xml version="1.0" encoding="utf-8"?>
+<p:sld xmlns:a="http://schemas.openxmlformats.org/drawingml/2006/main" xmlns:r="http://schemas.openxmlformats.org/officeDocument/2006/relationships" xmlns:p="http://schemas.openxmlformats.org/presentationml/2006/main">
+  <p:cSld>
+    <p:spTree>
+      <p:nvGrpSpPr>
+        <p:cNvPr id="1" name=""/>
+        <p:cNvGrpSpPr/>
+        <p:nvPr/>
+      </p:nvGrpSpPr>
+      <p:grpSpPr>
+        <a:xfrm>
+          <a:off x="0" y="0"/>
+          <a:ext cx="0" cy="0"/>
+          <a:chOff x="0" y="0"/>
+          <a:chExt cx="0" cy="0"/>
+        </a:xfrm>
+      </p:grpSpPr>
+      <p:sp>
+        <p:nvSpPr>
+          <p:cNvPr id="2" name="Title 1"/>
+          <p:cNvSpPr>
+            <a:spLocks noGrp="1"/>
+          </p:cNvSpPr>
+          <p:nvPr>
+            <p:ph type="title"/>
+          </p:nvPr>
+        </p:nvSpPr>
+        <p:spPr>
+          <a:xfrm>
+            <a:off x="1043490" y="1637928"/>
+            <a:ext cx="7024744" cy="1143000"/>
+          </a:xfrm>
+        </p:spPr>
+        <p:txBody>
+          <a:bodyPr>
+            <a:noAutofit/>
+          </a:bodyPr>
+          <a:lstStyle/>
+          <a:p>
+            <a:pPr algn="ctr"/>
+            <a:r>
+              <a:rPr lang="ro-RO" dirty="0">
+                <a:solidFill>
+                  <a:schemeClr val="accent1">
+                    <a:lumMod val="75000"/>
+                  </a:schemeClr>
+                </a:solidFill>
+                <a:latin typeface="+mn-lt"/>
+                <a:cs typeface="Times New Roman" panose="02020603050405020304" pitchFamily="18" charset="0"/>
+              </a:rPr>
+              <a:t>Implementarea în Matlab a modelului Lockhart-Ortega-Cosgrove</a:t>
+            </a:r>
+            <a:endParaRPr lang="ro-RO" dirty="0">
+              <a:latin typeface="+mn-lt"/>
+            </a:endParaRPr>
+          </a:p>
+        </p:txBody>
+      </p:sp>
+      <p:graphicFrame>
+        <p:nvGraphicFramePr>
+          <p:cNvPr id="4" name="Content Placeholder 3"/>
+          <p:cNvGraphicFramePr>
+            <a:graphicFrameLocks noGrp="1" noChangeAspect="1"/>
+          </p:cNvGraphicFramePr>
+          <p:nvPr>
+            <p:ph idx="1"/>
+            <p:extLst>
+              <p:ext uri="{D42A27DB-BD31-4B8C-83A1-F6EECF244321}">
+                <p14:modId xmlns:p14="http://schemas.microsoft.com/office/powerpoint/2010/main" val="847339684"/>
+              </p:ext>
+            </p:extLst>
+          </p:nvPr>
+        </p:nvGraphicFramePr>
+        <p:xfrm>
+          <a:off x="900113" y="3789363"/>
+          <a:ext cx="2332037" cy="792162"/>
+        </p:xfrm>
+        <a:graphic>
+          <a:graphicData uri="http://schemas.openxmlformats.org/presentationml/2006/ole">
+            <mc:AlternateContent xmlns:mc="http://schemas.openxmlformats.org/markup-compatibility/2006">
+              <mc:Choice xmlns:v="urn:schemas-microsoft-com:vml" Requires="v">
+                <p:oleObj spid="_x0000_s1246" r:id="rId3" imgW="1346200" imgH="457200" progId="Equation.DSMT4">
+                  <p:embed/>
+                </p:oleObj>
+              </mc:Choice>
+              <mc:Fallback>
+                <p:oleObj r:id="rId3" imgW="1346200" imgH="457200" progId="Equation.DSMT4">
+                  <p:embed/>
+                  <p:pic>
+                    <p:nvPicPr>
+                      <p:cNvPr id="0" name="Object 5"/>
+                      <p:cNvPicPr>
+                        <a:picLocks noChangeAspect="1" noChangeArrowheads="1"/>
+                      </p:cNvPicPr>
+                      <p:nvPr/>
+                    </p:nvPicPr>
+                    <p:blipFill>
+                      <a:blip r:embed="rId4">
+                        <a:extLst>
+                          <a:ext uri="{28A0092B-C50C-407E-A947-70E740481C1C}">
+                            <a14:useLocalDpi xmlns:a14="http://schemas.microsoft.com/office/drawing/2010/main" val="0"/>
+                          </a:ext>
+                        </a:extLst>
+                      </a:blip>
+                      <a:srcRect/>
+                      <a:stretch>
+                        <a:fillRect/>
+                      </a:stretch>
+                    </p:blipFill>
+                    <p:spPr bwMode="auto">
+                      <a:xfrm>
+                        <a:off x="900113" y="3789363"/>
+                        <a:ext cx="2332037" cy="792162"/>
+                      </a:xfrm>
+                      <a:prstGeom prst="rect">
+                        <a:avLst/>
+                      </a:prstGeom>
+                      <a:noFill/>
+                      <a:ln>
+                        <a:noFill/>
+                      </a:ln>
+                    </p:spPr>
+                  </p:pic>
+                </p:oleObj>
+              </mc:Fallback>
+            </mc:AlternateContent>
+          </a:graphicData>
+        </a:graphic>
+      </p:graphicFrame>
+      <p:graphicFrame>
+        <p:nvGraphicFramePr>
+          <p:cNvPr id="5" name="Object 4"/>
+          <p:cNvGraphicFramePr>
+            <a:graphicFrameLocks noChangeAspect="1"/>
+          </p:cNvGraphicFramePr>
+          <p:nvPr>
+            <p:extLst>
+              <p:ext uri="{D42A27DB-BD31-4B8C-83A1-F6EECF244321}">
+                <p14:modId xmlns:p14="http://schemas.microsoft.com/office/powerpoint/2010/main" val="3821939062"/>
+              </p:ext>
+            </p:extLst>
+          </p:nvPr>
+        </p:nvGraphicFramePr>
+        <p:xfrm>
+          <a:off x="4283968" y="3143150"/>
+          <a:ext cx="3732212" cy="2878138"/>
+        </p:xfrm>
+        <a:graphic>
+          <a:graphicData uri="http://schemas.openxmlformats.org/presentationml/2006/ole">
+            <mc:AlternateContent xmlns:mc="http://schemas.openxmlformats.org/markup-compatibility/2006">
+              <mc:Choice xmlns:v="urn:schemas-microsoft-com:vml" Requires="v">
+                <p:oleObj spid="_x0000_s1247" name="Document" r:id="rId5" imgW="6094080" imgH="4692600" progId="Word.OpenDocumentText.12">
+                  <p:embed/>
+                </p:oleObj>
+              </mc:Choice>
+              <mc:Fallback>
+                <p:oleObj name="Document" r:id="rId5" imgW="6094080" imgH="4692600" progId="Word.OpenDocumentText.12">
+                  <p:embed/>
+                  <p:pic>
+                    <p:nvPicPr>
+                      <p:cNvPr id="0" name=""/>
+                      <p:cNvPicPr/>
+                      <p:nvPr/>
+                    </p:nvPicPr>
+                    <p:blipFill>
+                      <a:blip r:embed="rId6"/>
+                      <a:stretch>
+                        <a:fillRect/>
+                      </a:stretch>
+                    </p:blipFill>
+                    <p:spPr>
+                      <a:xfrm>
+                        <a:off x="4283968" y="3143150"/>
+                        <a:ext cx="3732212" cy="2878138"/>
+                      </a:xfrm>
+                      <a:prstGeom prst="rect">
+                        <a:avLst/>
+                      </a:prstGeom>
+                      <a:solidFill>
+                        <a:schemeClr val="bg1">
+                          <a:lumMod val="85000"/>
+                        </a:schemeClr>
+                      </a:solidFill>
+                    </p:spPr>
+                  </p:pic>
+                </p:oleObj>
+              </mc:Fallback>
+            </mc:AlternateContent>
+          </a:graphicData>
+        </a:graphic>
+      </p:graphicFrame>
+    </p:spTree>
+    <p:extLst>
+      <p:ext uri="{BB962C8B-B14F-4D97-AF65-F5344CB8AC3E}">
+        <p14:creationId xmlns:p14="http://schemas.microsoft.com/office/powerpoint/2010/main" val="1062720027"/>
       </p:ext>
     </p:extLst>
   </p:cSld>

--- a/Darie Sebastian - Modelarea matematică a biosistemelor_final.pptx
+++ b/Darie Sebastian - Modelarea matematică a biosistemelor_final.pptx
@@ -2880,7 +2880,7 @@
           <a:p>
             <a:fld id="{70EB8AD0-8F0E-482B-AAE9-73498B97F30C}" type="datetimeFigureOut">
               <a:rPr lang="ro-RO" smtClean="0"/>
-              <a:t>30.06.2017</a:t>
+              <a:t>01.07.2017</a:t>
             </a:fld>
             <a:endParaRPr lang="ro-RO"/>
           </a:p>
@@ -3165,7 +3165,7 @@
           <a:p>
             <a:fld id="{70EB8AD0-8F0E-482B-AAE9-73498B97F30C}" type="datetimeFigureOut">
               <a:rPr lang="ro-RO" smtClean="0"/>
-              <a:t>30.06.2017</a:t>
+              <a:t>01.07.2017</a:t>
             </a:fld>
             <a:endParaRPr lang="ro-RO"/>
           </a:p>
@@ -3340,7 +3340,7 @@
           <a:p>
             <a:fld id="{70EB8AD0-8F0E-482B-AAE9-73498B97F30C}" type="datetimeFigureOut">
               <a:rPr lang="ro-RO" smtClean="0"/>
-              <a:t>30.06.2017</a:t>
+              <a:t>01.07.2017</a:t>
             </a:fld>
             <a:endParaRPr lang="ro-RO"/>
           </a:p>
@@ -3505,7 +3505,7 @@
           <a:p>
             <a:fld id="{70EB8AD0-8F0E-482B-AAE9-73498B97F30C}" type="datetimeFigureOut">
               <a:rPr lang="ro-RO" smtClean="0"/>
-              <a:t>30.06.2017</a:t>
+              <a:t>01.07.2017</a:t>
             </a:fld>
             <a:endParaRPr lang="ro-RO"/>
           </a:p>
@@ -3746,7 +3746,7 @@
           <a:p>
             <a:fld id="{70EB8AD0-8F0E-482B-AAE9-73498B97F30C}" type="datetimeFigureOut">
               <a:rPr lang="ro-RO" smtClean="0"/>
-              <a:t>30.06.2017</a:t>
+              <a:t>01.07.2017</a:t>
             </a:fld>
             <a:endParaRPr lang="ro-RO"/>
           </a:p>
@@ -3859,7 +3859,7 @@
           <a:p>
             <a:fld id="{70EB8AD0-8F0E-482B-AAE9-73498B97F30C}" type="datetimeFigureOut">
               <a:rPr lang="ro-RO" smtClean="0"/>
-              <a:t>30.06.2017</a:t>
+              <a:t>01.07.2017</a:t>
             </a:fld>
             <a:endParaRPr lang="ro-RO"/>
           </a:p>
@@ -4398,7 +4398,7 @@
           <a:p>
             <a:fld id="{70EB8AD0-8F0E-482B-AAE9-73498B97F30C}" type="datetimeFigureOut">
               <a:rPr lang="ro-RO" smtClean="0"/>
-              <a:t>30.06.2017</a:t>
+              <a:t>01.07.2017</a:t>
             </a:fld>
             <a:endParaRPr lang="ro-RO"/>
           </a:p>
@@ -4511,7 +4511,7 @@
           <a:p>
             <a:fld id="{70EB8AD0-8F0E-482B-AAE9-73498B97F30C}" type="datetimeFigureOut">
               <a:rPr lang="ro-RO" smtClean="0"/>
-              <a:t>30.06.2017</a:t>
+              <a:t>01.07.2017</a:t>
             </a:fld>
             <a:endParaRPr lang="ro-RO"/>
           </a:p>
@@ -4601,7 +4601,7 @@
           <a:p>
             <a:fld id="{70EB8AD0-8F0E-482B-AAE9-73498B97F30C}" type="datetimeFigureOut">
               <a:rPr lang="ro-RO" smtClean="0"/>
-              <a:t>30.06.2017</a:t>
+              <a:t>01.07.2017</a:t>
             </a:fld>
             <a:endParaRPr lang="ro-RO"/>
           </a:p>
@@ -7252,7 +7252,7 @@
           <a:p>
             <a:fld id="{70EB8AD0-8F0E-482B-AAE9-73498B97F30C}" type="datetimeFigureOut">
               <a:rPr lang="ro-RO" smtClean="0"/>
-              <a:t>30.06.2017</a:t>
+              <a:t>01.07.2017</a:t>
             </a:fld>
             <a:endParaRPr lang="ro-RO"/>
           </a:p>
@@ -10464,7 +10464,7 @@
           <a:p>
             <a:fld id="{70EB8AD0-8F0E-482B-AAE9-73498B97F30C}" type="datetimeFigureOut">
               <a:rPr lang="ro-RO" smtClean="0"/>
-              <a:t>30.06.2017</a:t>
+              <a:t>01.07.2017</a:t>
             </a:fld>
             <a:endParaRPr lang="ro-RO"/>
           </a:p>
@@ -13286,7 +13286,7 @@
           <a:p>
             <a:fld id="{70EB8AD0-8F0E-482B-AAE9-73498B97F30C}" type="datetimeFigureOut">
               <a:rPr lang="ro-RO" smtClean="0"/>
-              <a:t>30.06.2017</a:t>
+              <a:t>01.07.2017</a:t>
             </a:fld>
             <a:endParaRPr lang="ro-RO"/>
           </a:p>
@@ -14125,9 +14125,9 @@
       </p:sp>
       <p:pic>
         <p:nvPicPr>
-          <p:cNvPr id="5" name="Content Placeholder 3"/>
+          <p:cNvPr id="3" name="Picture 2"/>
           <p:cNvPicPr>
-            <a:picLocks/>
+            <a:picLocks noChangeAspect="1"/>
           </p:cNvPicPr>
           <p:nvPr/>
         </p:nvPicPr>
@@ -14145,8 +14145,8 @@
         </p:blipFill>
         <p:spPr>
           <a:xfrm>
-            <a:off x="4139952" y="3140968"/>
-            <a:ext cx="4295696" cy="3312368"/>
+            <a:off x="755576" y="3284984"/>
+            <a:ext cx="3140774" cy="2952328"/>
           </a:xfrm>
           <a:prstGeom prst="rect">
             <a:avLst/>
@@ -14155,7 +14155,7 @@
       </p:pic>
       <p:pic>
         <p:nvPicPr>
-          <p:cNvPr id="3" name="Picture 2"/>
+          <p:cNvPr id="6" name="Picture 5"/>
           <p:cNvPicPr>
             <a:picLocks noChangeAspect="1"/>
           </p:cNvPicPr>
@@ -14175,8 +14175,8 @@
         </p:blipFill>
         <p:spPr>
           <a:xfrm>
-            <a:off x="755576" y="3284984"/>
-            <a:ext cx="3140774" cy="2952328"/>
+            <a:off x="4139952" y="3140968"/>
+            <a:ext cx="4320480" cy="3240360"/>
           </a:xfrm>
           <a:prstGeom prst="rect">
             <a:avLst/>
@@ -14254,7 +14254,7 @@
         </p:nvSpPr>
         <p:spPr>
           <a:xfrm>
-            <a:off x="1187624" y="1556792"/>
+            <a:off x="1187624" y="908720"/>
             <a:ext cx="6777317" cy="3508977"/>
           </a:xfrm>
         </p:spPr>
@@ -14311,25 +14311,25 @@
           <p:nvPr>
             <p:extLst>
               <p:ext uri="{D42A27DB-BD31-4B8C-83A1-F6EECF244321}">
-                <p14:modId xmlns:p14="http://schemas.microsoft.com/office/powerpoint/2010/main" val="3731665758"/>
+                <p14:modId xmlns:p14="http://schemas.microsoft.com/office/powerpoint/2010/main" val="1226501192"/>
               </p:ext>
             </p:extLst>
           </p:nvPr>
         </p:nvGraphicFramePr>
         <p:xfrm>
-          <a:off x="1379538" y="3170238"/>
-          <a:ext cx="6432550" cy="2606675"/>
+          <a:off x="1379538" y="2420888"/>
+          <a:ext cx="6384925" cy="3886200"/>
         </p:xfrm>
         <a:graphic>
           <a:graphicData uri="http://schemas.openxmlformats.org/presentationml/2006/ole">
             <mc:AlternateContent xmlns:mc="http://schemas.openxmlformats.org/markup-compatibility/2006">
               <mc:Choice xmlns:v="urn:schemas-microsoft-com:vml" Requires="v">
-                <p:oleObj spid="_x0000_s2150" name="Document" r:id="rId3" imgW="5972760" imgH="2429280" progId="Word.OpenDocumentText.12">
+                <p:oleObj spid="_x0000_s2164" name="Document" r:id="rId3" imgW="5972760" imgH="2970360" progId="Word.OpenDocumentText.12">
                   <p:embed/>
                 </p:oleObj>
               </mc:Choice>
               <mc:Fallback>
-                <p:oleObj name="Document" r:id="rId3" imgW="5972760" imgH="2429280" progId="Word.OpenDocumentText.12">
+                <p:oleObj name="Document" r:id="rId3" imgW="5972760" imgH="2970360" progId="Word.OpenDocumentText.12">
                   <p:embed/>
                   <p:pic>
                     <p:nvPicPr>
@@ -14348,8 +14348,8 @@
                     </p:blipFill>
                     <p:spPr bwMode="auto">
                       <a:xfrm>
-                        <a:off x="1379538" y="3170238"/>
-                        <a:ext cx="6432550" cy="2606675"/>
+                        <a:off x="1379538" y="2420888"/>
+                        <a:ext cx="6384925" cy="3886200"/>
                       </a:xfrm>
                       <a:prstGeom prst="rect">
                         <a:avLst/>
@@ -14426,9 +14426,9 @@
       </p:sp>
       <p:pic>
         <p:nvPicPr>
-          <p:cNvPr id="4" name="Content Placeholder 3"/>
+          <p:cNvPr id="5" name="Content Placeholder 4"/>
           <p:cNvPicPr>
-            <a:picLocks noGrp="1" noChangeAspect="1" noChangeArrowheads="1"/>
+            <a:picLocks noGrp="1" noChangeAspect="1"/>
           </p:cNvPicPr>
           <p:nvPr>
             <p:ph idx="1"/>
@@ -14442,52 +14442,15 @@
               </a:ext>
             </a:extLst>
           </a:blip>
-          <a:srcRect/>
           <a:stretch>
             <a:fillRect/>
           </a:stretch>
         </p:blipFill>
-        <p:spPr bwMode="auto">
+        <p:spPr>
           <a:xfrm>
-            <a:off x="1691680" y="1412776"/>
-            <a:ext cx="5719620" cy="4289715"/>
+            <a:off x="2051720" y="1916832"/>
+            <a:ext cx="5359730" cy="4019798"/>
           </a:xfrm>
-          <a:prstGeom prst="rect">
-            <a:avLst/>
-          </a:prstGeom>
-          <a:noFill/>
-          <a:ln>
-            <a:noFill/>
-          </a:ln>
-          <a:effectLst/>
-          <a:extLst>
-            <a:ext uri="{909E8E84-426E-40DD-AFC4-6F175D3DCCD1}">
-              <a14:hiddenFill xmlns:a14="http://schemas.microsoft.com/office/drawing/2010/main">
-                <a:solidFill>
-                  <a:schemeClr val="accent1"/>
-                </a:solidFill>
-              </a14:hiddenFill>
-            </a:ext>
-            <a:ext uri="{91240B29-F687-4F45-9708-019B960494DF}">
-              <a14:hiddenLine xmlns:a14="http://schemas.microsoft.com/office/drawing/2010/main" w="9525">
-                <a:solidFill>
-                  <a:schemeClr val="tx1"/>
-                </a:solidFill>
-                <a:miter lim="800000"/>
-                <a:headEnd/>
-                <a:tailEnd/>
-              </a14:hiddenLine>
-            </a:ext>
-            <a:ext uri="{AF507438-7753-43E0-B8FC-AC1667EBCBE1}">
-              <a14:hiddenEffects xmlns:a14="http://schemas.microsoft.com/office/drawing/2010/main">
-                <a:effectLst>
-                  <a:outerShdw dist="35921" dir="2700000" algn="ctr" rotWithShape="0">
-                    <a:schemeClr val="bg2"/>
-                  </a:outerShdw>
-                </a:effectLst>
-              </a14:hiddenEffects>
-            </a:ext>
-          </a:extLst>
         </p:spPr>
       </p:pic>
     </p:spTree>
@@ -14931,9 +14894,9 @@
       </p:sp>
       <p:pic>
         <p:nvPicPr>
-          <p:cNvPr id="7" name="Picture 3"/>
+          <p:cNvPr id="3" name="Picture 2"/>
           <p:cNvPicPr>
-            <a:picLocks noChangeAspect="1" noChangeArrowheads="1"/>
+            <a:picLocks noChangeAspect="1"/>
           </p:cNvPicPr>
           <p:nvPr/>
         </p:nvPicPr>
@@ -14945,52 +14908,18 @@
               </a:ext>
             </a:extLst>
           </a:blip>
-          <a:srcRect/>
           <a:stretch>
             <a:fillRect/>
           </a:stretch>
         </p:blipFill>
-        <p:spPr bwMode="auto">
+        <p:spPr>
           <a:xfrm>
-            <a:off x="4139952" y="2852936"/>
-            <a:ext cx="4235140" cy="3177130"/>
+            <a:off x="3923928" y="2564904"/>
+            <a:ext cx="4608512" cy="3456384"/>
           </a:xfrm>
           <a:prstGeom prst="rect">
             <a:avLst/>
           </a:prstGeom>
-          <a:noFill/>
-          <a:ln>
-            <a:noFill/>
-          </a:ln>
-          <a:effectLst/>
-          <a:extLst>
-            <a:ext uri="{909E8E84-426E-40DD-AFC4-6F175D3DCCD1}">
-              <a14:hiddenFill xmlns:a14="http://schemas.microsoft.com/office/drawing/2010/main">
-                <a:solidFill>
-                  <a:schemeClr val="accent1"/>
-                </a:solidFill>
-              </a14:hiddenFill>
-            </a:ext>
-            <a:ext uri="{91240B29-F687-4F45-9708-019B960494DF}">
-              <a14:hiddenLine xmlns:a14="http://schemas.microsoft.com/office/drawing/2010/main" w="9525">
-                <a:solidFill>
-                  <a:schemeClr val="tx1"/>
-                </a:solidFill>
-                <a:miter lim="800000"/>
-                <a:headEnd/>
-                <a:tailEnd/>
-              </a14:hiddenLine>
-            </a:ext>
-            <a:ext uri="{AF507438-7753-43E0-B8FC-AC1667EBCBE1}">
-              <a14:hiddenEffects xmlns:a14="http://schemas.microsoft.com/office/drawing/2010/main">
-                <a:effectLst>
-                  <a:outerShdw dist="35921" dir="2700000" algn="ctr" rotWithShape="0">
-                    <a:schemeClr val="bg2"/>
-                  </a:outerShdw>
-                </a:effectLst>
-              </a14:hiddenEffects>
-            </a:ext>
-          </a:extLst>
         </p:spPr>
       </p:pic>
     </p:spTree>
@@ -15130,7 +15059,7 @@
           <a:graphicData uri="http://schemas.openxmlformats.org/presentationml/2006/ole">
             <mc:AlternateContent xmlns:mc="http://schemas.openxmlformats.org/markup-compatibility/2006">
               <mc:Choice xmlns:v="urn:schemas-microsoft-com:vml" Requires="v">
-                <p:oleObj spid="_x0000_s4246" r:id="rId3" imgW="1333500" imgH="457200" progId="Equation.DSMT4">
+                <p:oleObj spid="_x0000_s4260" r:id="rId3" imgW="1333500" imgH="457200" progId="Equation.DSMT4">
                   <p:embed/>
                 </p:oleObj>
               </mc:Choice>
@@ -15321,38 +15250,6 @@
           </a:p>
         </p:txBody>
       </p:sp>
-      <p:pic>
-        <p:nvPicPr>
-          <p:cNvPr id="4" name="Content Placeholder 3"/>
-          <p:cNvPicPr>
-            <a:picLocks noGrp="1"/>
-          </p:cNvPicPr>
-          <p:nvPr>
-            <p:ph idx="1"/>
-          </p:nvPr>
-        </p:nvPicPr>
-        <p:blipFill>
-          <a:blip r:embed="rId3">
-            <a:extLst>
-              <a:ext uri="{28A0092B-C50C-407E-A947-70E740481C1C}">
-                <a14:useLocalDpi xmlns:a14="http://schemas.microsoft.com/office/drawing/2010/main" val="0"/>
-              </a:ext>
-            </a:extLst>
-          </a:blip>
-          <a:stretch>
-            <a:fillRect/>
-          </a:stretch>
-        </p:blipFill>
-        <p:spPr>
-          <a:xfrm>
-            <a:off x="2092590" y="2324100"/>
-            <a:ext cx="4677833" cy="3508375"/>
-          </a:xfrm>
-          <a:prstGeom prst="rect">
-            <a:avLst/>
-          </a:prstGeom>
-        </p:spPr>
-      </p:pic>
       <p:graphicFrame>
         <p:nvGraphicFramePr>
           <p:cNvPr id="5" name="Object 4"/>
@@ -15362,25 +15259,25 @@
           <p:nvPr>
             <p:extLst>
               <p:ext uri="{D42A27DB-BD31-4B8C-83A1-F6EECF244321}">
-                <p14:modId xmlns:p14="http://schemas.microsoft.com/office/powerpoint/2010/main" val="4011921300"/>
+                <p14:modId xmlns:p14="http://schemas.microsoft.com/office/powerpoint/2010/main" val="4003490038"/>
               </p:ext>
             </p:extLst>
           </p:nvPr>
         </p:nvGraphicFramePr>
         <p:xfrm>
-          <a:off x="1763688" y="1412776"/>
+          <a:off x="1763688" y="1196752"/>
           <a:ext cx="5921375" cy="936625"/>
         </p:xfrm>
         <a:graphic>
           <a:graphicData uri="http://schemas.openxmlformats.org/presentationml/2006/ole">
             <mc:AlternateContent xmlns:mc="http://schemas.openxmlformats.org/markup-compatibility/2006">
               <mc:Choice xmlns:v="urn:schemas-microsoft-com:vml" Requires="v">
-                <p:oleObj spid="_x0000_s5154" name="Document" r:id="rId4" imgW="5972760" imgH="791280" progId="Word.OpenDocumentText.12">
+                <p:oleObj spid="_x0000_s5168" name="Document" r:id="rId3" imgW="5972760" imgH="791280" progId="Word.OpenDocumentText.12">
                   <p:embed/>
                 </p:oleObj>
               </mc:Choice>
               <mc:Fallback>
-                <p:oleObj name="Document" r:id="rId4" imgW="5972760" imgH="791280" progId="Word.OpenDocumentText.12">
+                <p:oleObj name="Document" r:id="rId3" imgW="5972760" imgH="791280" progId="Word.OpenDocumentText.12">
                   <p:embed/>
                   <p:pic>
                     <p:nvPicPr>
@@ -15391,7 +15288,7 @@
                       <p:nvPr/>
                     </p:nvPicPr>
                     <p:blipFill>
-                      <a:blip r:embed="rId5"/>
+                      <a:blip r:embed="rId4"/>
                       <a:srcRect/>
                       <a:stretch>
                         <a:fillRect/>
@@ -15399,7 +15296,7 @@
                     </p:blipFill>
                     <p:spPr bwMode="auto">
                       <a:xfrm>
-                        <a:off x="1763688" y="1412776"/>
+                        <a:off x="1763688" y="1196752"/>
                         <a:ext cx="5921375" cy="936625"/>
                       </a:xfrm>
                       <a:prstGeom prst="rect">
@@ -15431,6 +15328,35 @@
           </a:graphicData>
         </a:graphic>
       </p:graphicFrame>
+      <p:pic>
+        <p:nvPicPr>
+          <p:cNvPr id="6" name="Content Placeholder 5"/>
+          <p:cNvPicPr>
+            <a:picLocks noGrp="1" noChangeAspect="1"/>
+          </p:cNvPicPr>
+          <p:nvPr>
+            <p:ph idx="1"/>
+          </p:nvPr>
+        </p:nvPicPr>
+        <p:blipFill>
+          <a:blip r:embed="rId5">
+            <a:extLst>
+              <a:ext uri="{28A0092B-C50C-407E-A947-70E740481C1C}">
+                <a14:useLocalDpi xmlns:a14="http://schemas.microsoft.com/office/drawing/2010/main" val="0"/>
+              </a:ext>
+            </a:extLst>
+          </a:blip>
+          <a:stretch>
+            <a:fillRect/>
+          </a:stretch>
+        </p:blipFill>
+        <p:spPr>
+          <a:xfrm>
+            <a:off x="2092590" y="2324100"/>
+            <a:ext cx="5287722" cy="3965792"/>
+          </a:xfrm>
+        </p:spPr>
+      </p:pic>
     </p:spTree>
     <p:extLst>
       <p:ext uri="{BB962C8B-B14F-4D97-AF65-F5344CB8AC3E}">
@@ -15559,11 +15485,6 @@
               </a:rPr>
               <a:t>Observarea comportamentului organismelor din astfel de biosisteme</a:t>
             </a:r>
-            <a:endParaRPr lang="ro-RO" dirty="0" smtClean="0">
-              <a:latin typeface="Verdana" pitchFamily="34" charset="0"/>
-              <a:ea typeface="Verdana" pitchFamily="34" charset="0"/>
-              <a:cs typeface="Verdana" pitchFamily="34" charset="0"/>
-            </a:endParaRPr>
           </a:p>
           <a:p>
             <a:endParaRPr lang="ro-RO" dirty="0">
@@ -16707,7 +16628,31 @@
                 <a:ea typeface="Verdana" pitchFamily="34" charset="0"/>
                 <a:cs typeface="Verdana" pitchFamily="34" charset="0"/>
               </a:rPr>
-              <a:t>lineară, nonlineară, reţele </a:t>
+              <a:t>liniară</a:t>
+            </a:r>
+            <a:r>
+              <a:rPr lang="ro-RO" dirty="0" smtClean="0">
+                <a:latin typeface="Verdana" pitchFamily="34" charset="0"/>
+                <a:ea typeface="Verdana" pitchFamily="34" charset="0"/>
+                <a:cs typeface="Verdana" pitchFamily="34" charset="0"/>
+              </a:rPr>
+              <a:t>, </a:t>
+            </a:r>
+            <a:r>
+              <a:rPr lang="ro-RO" dirty="0" smtClean="0">
+                <a:latin typeface="Verdana" pitchFamily="34" charset="0"/>
+                <a:ea typeface="Verdana" pitchFamily="34" charset="0"/>
+                <a:cs typeface="Verdana" pitchFamily="34" charset="0"/>
+              </a:rPr>
+              <a:t>neliniară</a:t>
+            </a:r>
+            <a:r>
+              <a:rPr lang="ro-RO" dirty="0" smtClean="0">
+                <a:latin typeface="Verdana" pitchFamily="34" charset="0"/>
+                <a:ea typeface="Verdana" pitchFamily="34" charset="0"/>
+                <a:cs typeface="Verdana" pitchFamily="34" charset="0"/>
+              </a:rPr>
+              <a:t>, reţele </a:t>
             </a:r>
             <a:r>
               <a:rPr lang="ro-RO" dirty="0">
@@ -17233,20 +17178,20 @@
             <p:ph idx="1"/>
             <p:extLst>
               <p:ext uri="{D42A27DB-BD31-4B8C-83A1-F6EECF244321}">
-                <p14:modId xmlns:p14="http://schemas.microsoft.com/office/powerpoint/2010/main" val="847339684"/>
+                <p14:modId xmlns:p14="http://schemas.microsoft.com/office/powerpoint/2010/main" val="1011299615"/>
               </p:ext>
             </p:extLst>
           </p:nvPr>
         </p:nvGraphicFramePr>
         <p:xfrm>
-          <a:off x="900113" y="3789363"/>
+          <a:off x="755576" y="3789363"/>
           <a:ext cx="2332037" cy="792162"/>
         </p:xfrm>
         <a:graphic>
           <a:graphicData uri="http://schemas.openxmlformats.org/presentationml/2006/ole">
             <mc:AlternateContent xmlns:mc="http://schemas.openxmlformats.org/markup-compatibility/2006">
               <mc:Choice xmlns:v="urn:schemas-microsoft-com:vml" Requires="v">
-                <p:oleObj spid="_x0000_s1246" r:id="rId3" imgW="1346200" imgH="457200" progId="Equation.DSMT4">
+                <p:oleObj spid="_x0000_s1274" r:id="rId3" imgW="1346200" imgH="457200" progId="Equation.DSMT4">
                   <p:embed/>
                 </p:oleObj>
               </mc:Choice>
@@ -17276,7 +17221,7 @@
                     </p:blipFill>
                     <p:spPr bwMode="auto">
                       <a:xfrm>
-                        <a:off x="900113" y="3789363"/>
+                        <a:off x="755576" y="3789363"/>
                         <a:ext cx="2332037" cy="792162"/>
                       </a:xfrm>
                       <a:prstGeom prst="rect">
@@ -17316,7 +17261,7 @@
           <a:graphicData uri="http://schemas.openxmlformats.org/presentationml/2006/ole">
             <mc:AlternateContent xmlns:mc="http://schemas.openxmlformats.org/markup-compatibility/2006">
               <mc:Choice xmlns:v="urn:schemas-microsoft-com:vml" Requires="v">
-                <p:oleObj spid="_x0000_s1247" name="Document" r:id="rId5" imgW="6094080" imgH="4692600" progId="Word.OpenDocumentText.12">
+                <p:oleObj spid="_x0000_s1275" name="Document" r:id="rId5" imgW="6094080" imgH="4692600" progId="Word.OpenDocumentText.12">
                   <p:embed/>
                 </p:oleObj>
               </mc:Choice>
@@ -17356,6 +17301,46 @@
           </a:graphicData>
         </a:graphic>
       </p:graphicFrame>
+      <p:sp>
+        <p:nvSpPr>
+          <p:cNvPr id="3" name="Right Arrow 2"/>
+          <p:cNvSpPr/>
+          <p:nvPr/>
+        </p:nvSpPr>
+        <p:spPr>
+          <a:xfrm>
+            <a:off x="3275856" y="3906764"/>
+            <a:ext cx="576064" cy="484632"/>
+          </a:xfrm>
+          <a:prstGeom prst="rightArrow">
+            <a:avLst/>
+          </a:prstGeom>
+        </p:spPr>
+        <p:style>
+          <a:lnRef idx="2">
+            <a:schemeClr val="dk1">
+              <a:shade val="50000"/>
+            </a:schemeClr>
+          </a:lnRef>
+          <a:fillRef idx="1">
+            <a:schemeClr val="dk1"/>
+          </a:fillRef>
+          <a:effectRef idx="0">
+            <a:schemeClr val="dk1"/>
+          </a:effectRef>
+          <a:fontRef idx="minor">
+            <a:schemeClr val="lt1"/>
+          </a:fontRef>
+        </p:style>
+        <p:txBody>
+          <a:bodyPr rtlCol="0" anchor="ctr"/>
+          <a:lstStyle/>
+          <a:p>
+            <a:pPr algn="ctr"/>
+            <a:endParaRPr lang="ro-RO"/>
+          </a:p>
+        </p:txBody>
+      </p:sp>
     </p:spTree>
     <p:extLst>
       <p:ext uri="{BB962C8B-B14F-4D97-AF65-F5344CB8AC3E}">
